--- a/4/Ex4-Monaco-SLIDES.pptx
+++ b/4/Ex4-Monaco-SLIDES.pptx
@@ -4688,8 +4688,8 @@
           </a:p>
         </p:txBody>
       </p:sp>
-      <mc:AlternateContent xmlns:mc="http://schemas.openxmlformats.org/markup-compatibility/2006">
-        <mc:Choice xmlns:a14="http://schemas.microsoft.com/office/drawing/2010/main" Requires="a14">
+      <mc:AlternateContent xmlns:mc="http://schemas.openxmlformats.org/markup-compatibility/2006" xmlns:a14="http://schemas.microsoft.com/office/drawing/2010/main">
+        <mc:Choice Requires="a14">
           <p:sp>
             <p:nvSpPr>
               <p:cNvPr id="3" name="CasellaDiTesto 2">
@@ -4989,7 +4989,7 @@
             </p:txBody>
           </p:sp>
         </mc:Choice>
-        <mc:Fallback>
+        <mc:Fallback xmlns="">
           <p:sp>
             <p:nvSpPr>
               <p:cNvPr id="3" name="CasellaDiTesto 2">
@@ -8710,12 +8710,9 @@
 </file>
 
 <file path=customXml/item1.xml><?xml version="1.0" encoding="utf-8"?>
-<?mso-contentType ?>
-<FormTemplates xmlns="http://schemas.microsoft.com/sharepoint/v3/contenttype/forms">
-  <Display>DocumentLibraryForm</Display>
-  <Edit>DocumentLibraryForm</Edit>
-  <New>DocumentLibraryForm</New>
-</FormTemplates>
+<p:properties xmlns:p="http://schemas.microsoft.com/office/2006/metadata/properties" xmlns:xsi="http://www.w3.org/2001/XMLSchema-instance" xmlns:pc="http://schemas.microsoft.com/office/infopath/2007/PartnerControls">
+  <documentManagement/>
+</p:properties>
 </file>
 
 <file path=customXml/item2.xml><?xml version="1.0" encoding="utf-8"?>
@@ -8851,15 +8848,26 @@
 </file>
 
 <file path=customXml/item3.xml><?xml version="1.0" encoding="utf-8"?>
-<p:properties xmlns:p="http://schemas.microsoft.com/office/2006/metadata/properties" xmlns:xsi="http://www.w3.org/2001/XMLSchema-instance" xmlns:pc="http://schemas.microsoft.com/office/infopath/2007/PartnerControls">
-  <documentManagement/>
-</p:properties>
+<?mso-contentType ?>
+<FormTemplates xmlns="http://schemas.microsoft.com/sharepoint/v3/contenttype/forms">
+  <Display>DocumentLibraryForm</Display>
+  <Edit>DocumentLibraryForm</Edit>
+  <New>DocumentLibraryForm</New>
+</FormTemplates>
 </file>
 
 <file path=customXml/itemProps1.xml><?xml version="1.0" encoding="utf-8"?>
-<ds:datastoreItem xmlns:ds="http://schemas.openxmlformats.org/officeDocument/2006/customXml" ds:itemID="{855D325D-3B77-47CA-8757-84DD5741DFBA}">
+<ds:datastoreItem xmlns:ds="http://schemas.openxmlformats.org/officeDocument/2006/customXml" ds:itemID="{FF5D3D51-03CC-4736-A35A-7D072B275084}">
   <ds:schemaRefs>
-    <ds:schemaRef ds:uri="http://schemas.microsoft.com/sharepoint/v3/contenttype/forms"/>
+    <ds:schemaRef ds:uri="http://schemas.microsoft.com/office/infopath/2007/PartnerControls"/>
+    <ds:schemaRef ds:uri="http://purl.org/dc/terms/"/>
+    <ds:schemaRef ds:uri="http://www.w3.org/XML/1998/namespace"/>
+    <ds:schemaRef ds:uri="http://purl.org/dc/elements/1.1/"/>
+    <ds:schemaRef ds:uri="http://schemas.microsoft.com/office/2006/metadata/properties"/>
+    <ds:schemaRef ds:uri="http://schemas.microsoft.com/office/2006/documentManagement/types"/>
+    <ds:schemaRef ds:uri="http://schemas.openxmlformats.org/package/2006/metadata/core-properties"/>
+    <ds:schemaRef ds:uri="8d210665-cc30-40de-a1c4-5d90bbb582de"/>
+    <ds:schemaRef ds:uri="http://purl.org/dc/dcmitype/"/>
   </ds:schemaRefs>
 </ds:datastoreItem>
 </file>
@@ -8883,17 +8891,9 @@
 </file>
 
 <file path=customXml/itemProps3.xml><?xml version="1.0" encoding="utf-8"?>
-<ds:datastoreItem xmlns:ds="http://schemas.openxmlformats.org/officeDocument/2006/customXml" ds:itemID="{FF5D3D51-03CC-4736-A35A-7D072B275084}">
+<ds:datastoreItem xmlns:ds="http://schemas.openxmlformats.org/officeDocument/2006/customXml" ds:itemID="{855D325D-3B77-47CA-8757-84DD5741DFBA}">
   <ds:schemaRefs>
-    <ds:schemaRef ds:uri="http://schemas.microsoft.com/office/infopath/2007/PartnerControls"/>
-    <ds:schemaRef ds:uri="http://purl.org/dc/terms/"/>
-    <ds:schemaRef ds:uri="http://www.w3.org/XML/1998/namespace"/>
-    <ds:schemaRef ds:uri="http://purl.org/dc/elements/1.1/"/>
-    <ds:schemaRef ds:uri="http://schemas.microsoft.com/office/2006/metadata/properties"/>
-    <ds:schemaRef ds:uri="http://schemas.microsoft.com/office/2006/documentManagement/types"/>
-    <ds:schemaRef ds:uri="http://schemas.openxmlformats.org/package/2006/metadata/core-properties"/>
-    <ds:schemaRef ds:uri="8d210665-cc30-40de-a1c4-5d90bbb582de"/>
-    <ds:schemaRef ds:uri="http://purl.org/dc/dcmitype/"/>
+    <ds:schemaRef ds:uri="http://schemas.microsoft.com/sharepoint/v3/contenttype/forms"/>
   </ds:schemaRefs>
 </ds:datastoreItem>
 </file>
--- a/4/Ex4-Monaco-SLIDES.pptx
+++ b/4/Ex4-Monaco-SLIDES.pptx
@@ -4050,6 +4050,196 @@
       </p:grpSpPr>
       <p:sp>
         <p:nvSpPr>
+          <p:cNvPr id="29" name="Elipse 28">
+            <a:extLst>
+              <a:ext uri="{FF2B5EF4-FFF2-40B4-BE49-F238E27FC236}">
+                <a16:creationId xmlns:a16="http://schemas.microsoft.com/office/drawing/2014/main" id="{FBA089FF-2432-44EE-936E-7AC85724D688}"/>
+              </a:ext>
+            </a:extLst>
+          </p:cNvPr>
+          <p:cNvSpPr/>
+          <p:nvPr/>
+        </p:nvSpPr>
+        <p:spPr>
+          <a:xfrm>
+            <a:off x="802800" y="3711817"/>
+            <a:ext cx="1645920" cy="1679183"/>
+          </a:xfrm>
+          <a:prstGeom prst="ellipse">
+            <a:avLst/>
+          </a:prstGeom>
+          <a:solidFill>
+            <a:srgbClr val="000000">
+              <a:alpha val="0"/>
+            </a:srgbClr>
+          </a:solidFill>
+          <a:ln w="36000">
+            <a:solidFill>
+              <a:srgbClr val="000000"/>
+            </a:solidFill>
+          </a:ln>
+        </p:spPr>
+        <p:txBody>
+          <a:bodyPr wrap="square" tIns="180000" rIns="216000" rtlCol="0" anchor="ctr" anchorCtr="0">
+            <a:noAutofit/>
+          </a:bodyPr>
+          <a:lstStyle/>
+          <a:p>
+            <a:pPr algn="r" eaLnBrk="1" hangingPunct="1">
+              <a:defRPr sz="2800" b="0" dirty="0">
+                <a:solidFill>
+                  <a:schemeClr val="bg1"/>
+                </a:solidFill>
+              </a:defRPr>
+            </a:pPr>
+            <a:endParaRPr lang="it-IT" sz="2800" b="0" dirty="0">
+              <a:solidFill>
+                <a:srgbClr val="000000"/>
+              </a:solidFill>
+            </a:endParaRPr>
+          </a:p>
+        </p:txBody>
+      </p:sp>
+      <p:sp>
+        <p:nvSpPr>
+          <p:cNvPr id="26" name="Rettangolo 25">
+            <a:extLst>
+              <a:ext uri="{FF2B5EF4-FFF2-40B4-BE49-F238E27FC236}">
+                <a16:creationId xmlns:a16="http://schemas.microsoft.com/office/drawing/2014/main" id="{A2177541-7C94-4CC6-AD76-2312C72B3039}"/>
+              </a:ext>
+            </a:extLst>
+          </p:cNvPr>
+          <p:cNvSpPr/>
+          <p:nvPr/>
+        </p:nvSpPr>
+        <p:spPr bwMode="auto">
+          <a:xfrm>
+            <a:off x="1466758" y="3604067"/>
+            <a:ext cx="1645920" cy="1853164"/>
+          </a:xfrm>
+          <a:prstGeom prst="rect">
+            <a:avLst/>
+          </a:prstGeom>
+          <a:solidFill>
+            <a:schemeClr val="bg1"/>
+          </a:solidFill>
+          <a:ln w="9525" cap="flat" cmpd="sng" algn="ctr">
+            <a:noFill/>
+            <a:prstDash val="solid"/>
+            <a:round/>
+            <a:headEnd type="none" w="med" len="med"/>
+            <a:tailEnd type="none" w="med" len="med"/>
+          </a:ln>
+          <a:effectLst/>
+        </p:spPr>
+        <p:txBody>
+          <a:bodyPr vert="horz" wrap="square" lIns="91440" tIns="45720" rIns="91440" bIns="45720" numCol="1" rtlCol="0" anchor="t" anchorCtr="0" compatLnSpc="1">
+            <a:prstTxWarp prst="textNoShape">
+              <a:avLst/>
+            </a:prstTxWarp>
+          </a:bodyPr>
+          <a:lstStyle/>
+          <a:p>
+            <a:pPr marL="0" marR="0" indent="0" algn="l" defTabSz="914400" rtl="0" eaLnBrk="1" fontAlgn="base" latinLnBrk="0" hangingPunct="1">
+              <a:lnSpc>
+                <a:spcPct val="100000"/>
+              </a:lnSpc>
+              <a:spcBef>
+                <a:spcPct val="0"/>
+              </a:spcBef>
+              <a:spcAft>
+                <a:spcPct val="0"/>
+              </a:spcAft>
+              <a:buClrTx/>
+              <a:buSzTx/>
+              <a:buFontTx/>
+              <a:buNone/>
+              <a:tabLst/>
+            </a:pPr>
+            <a:endParaRPr kumimoji="0" lang="en-US" sz="1800" b="1" i="0" u="none" strike="noStrike" cap="none" normalizeH="0" baseline="0" dirty="0">
+              <a:ln>
+                <a:noFill/>
+              </a:ln>
+              <a:solidFill>
+                <a:schemeClr val="tx1"/>
+              </a:solidFill>
+              <a:effectLst/>
+              <a:latin typeface="Arial" charset="0"/>
+            </a:endParaRPr>
+          </a:p>
+        </p:txBody>
+      </p:sp>
+      <p:sp>
+        <p:nvSpPr>
+          <p:cNvPr id="31" name="Rettangolo 30">
+            <a:extLst>
+              <a:ext uri="{FF2B5EF4-FFF2-40B4-BE49-F238E27FC236}">
+                <a16:creationId xmlns:a16="http://schemas.microsoft.com/office/drawing/2014/main" id="{0E3EF554-72A4-4844-9391-B615B4030596}"/>
+              </a:ext>
+            </a:extLst>
+          </p:cNvPr>
+          <p:cNvSpPr/>
+          <p:nvPr/>
+        </p:nvSpPr>
+        <p:spPr bwMode="auto">
+          <a:xfrm>
+            <a:off x="643798" y="4494467"/>
+            <a:ext cx="1645920" cy="962764"/>
+          </a:xfrm>
+          <a:prstGeom prst="rect">
+            <a:avLst/>
+          </a:prstGeom>
+          <a:solidFill>
+            <a:schemeClr val="bg1"/>
+          </a:solidFill>
+          <a:ln w="9525" cap="flat" cmpd="sng" algn="ctr">
+            <a:noFill/>
+            <a:prstDash val="solid"/>
+            <a:round/>
+            <a:headEnd type="none" w="med" len="med"/>
+            <a:tailEnd type="none" w="med" len="med"/>
+          </a:ln>
+          <a:effectLst/>
+        </p:spPr>
+        <p:txBody>
+          <a:bodyPr vert="horz" wrap="square" lIns="91440" tIns="45720" rIns="91440" bIns="45720" numCol="1" rtlCol="0" anchor="t" anchorCtr="0" compatLnSpc="1">
+            <a:prstTxWarp prst="textNoShape">
+              <a:avLst/>
+            </a:prstTxWarp>
+          </a:bodyPr>
+          <a:lstStyle/>
+          <a:p>
+            <a:pPr marL="0" marR="0" indent="0" algn="l" defTabSz="914400" rtl="0" eaLnBrk="1" fontAlgn="base" latinLnBrk="0" hangingPunct="1">
+              <a:lnSpc>
+                <a:spcPct val="100000"/>
+              </a:lnSpc>
+              <a:spcBef>
+                <a:spcPct val="0"/>
+              </a:spcBef>
+              <a:spcAft>
+                <a:spcPct val="0"/>
+              </a:spcAft>
+              <a:buClrTx/>
+              <a:buSzTx/>
+              <a:buFontTx/>
+              <a:buNone/>
+              <a:tabLst/>
+            </a:pPr>
+            <a:endParaRPr kumimoji="0" lang="en-US" sz="1800" b="1" i="0" u="none" strike="noStrike" cap="none" normalizeH="0" baseline="0">
+              <a:ln>
+                <a:noFill/>
+              </a:ln>
+              <a:solidFill>
+                <a:schemeClr val="tx1"/>
+              </a:solidFill>
+              <a:effectLst/>
+              <a:latin typeface="Arial" charset="0"/>
+            </a:endParaRPr>
+          </a:p>
+        </p:txBody>
+      </p:sp>
+      <p:sp>
+        <p:nvSpPr>
           <p:cNvPr id="8194" name="CasellaDiTesto 10">
             <a:extLst>
               <a:ext uri="{FF2B5EF4-FFF2-40B4-BE49-F238E27FC236}">
@@ -4688,8 +4878,8 @@
           </a:p>
         </p:txBody>
       </p:sp>
-      <mc:AlternateContent xmlns:mc="http://schemas.openxmlformats.org/markup-compatibility/2006" xmlns:a14="http://schemas.microsoft.com/office/drawing/2010/main">
-        <mc:Choice Requires="a14">
+      <mc:AlternateContent xmlns:mc="http://schemas.openxmlformats.org/markup-compatibility/2006">
+        <mc:Choice xmlns:a14="http://schemas.microsoft.com/office/drawing/2010/main" Requires="a14">
           <p:sp>
             <p:nvSpPr>
               <p:cNvPr id="3" name="CasellaDiTesto 2">
@@ -4704,7 +4894,7 @@
             </p:nvSpPr>
             <p:spPr bwMode="auto">
               <a:xfrm>
-                <a:off x="442914" y="1824037"/>
+                <a:off x="596808" y="1713118"/>
                 <a:ext cx="5186361" cy="888435"/>
               </a:xfrm>
               <a:prstGeom prst="rect">
@@ -4740,14 +4930,14 @@
               </a:bodyPr>
               <a:lstStyle/>
               <a:p>
-                <a:pPr algn="r" eaLnBrk="1" hangingPunct="1"/>
+                <a:pPr eaLnBrk="1" hangingPunct="1"/>
                 <a14:m>
                   <m:oMath xmlns:m="http://schemas.openxmlformats.org/officeDocument/2006/math">
                     <m:acc>
                       <m:accPr>
                         <m:chr m:val="̂"/>
                         <m:ctrlPr>
-                          <a:rPr lang="it-IT" sz="2800" b="0" i="1" smtClean="0">
+                          <a:rPr lang="it-IT" sz="2000" b="0" i="1" smtClean="0">
                             <a:solidFill>
                               <a:schemeClr val="tx1"/>
                             </a:solidFill>
@@ -4757,7 +4947,7 @@
                       </m:accPr>
                       <m:e>
                         <m:r>
-                          <a:rPr lang="en-US" sz="2800" b="0" i="1" smtClean="0">
+                          <a:rPr lang="en-US" sz="2000" b="0" i="1" smtClean="0">
                             <a:solidFill>
                               <a:schemeClr val="tx1"/>
                             </a:solidFill>
@@ -4768,7 +4958,7 @@
                       </m:e>
                     </m:acc>
                     <m:r>
-                      <a:rPr lang="en-US" sz="2800" b="0" i="1" smtClean="0">
+                      <a:rPr lang="en-US" sz="2000" b="0" i="1" smtClean="0">
                         <a:solidFill>
                           <a:schemeClr val="tx1"/>
                         </a:solidFill>
@@ -4779,7 +4969,7 @@
                     <m:sSup>
                       <m:sSupPr>
                         <m:ctrlPr>
-                          <a:rPr lang="en-US" sz="2800" b="0" i="1" smtClean="0">
+                          <a:rPr lang="en-US" sz="2000" b="0" i="1" smtClean="0">
                             <a:solidFill>
                               <a:schemeClr val="tx1"/>
                             </a:solidFill>
@@ -4792,7 +4982,7 @@
                           <m:accPr>
                             <m:chr m:val="̂"/>
                             <m:ctrlPr>
-                              <a:rPr lang="en-US" sz="2800" b="0" i="1" smtClean="0">
+                              <a:rPr lang="en-US" sz="2000" b="0" i="1" smtClean="0">
                                 <a:solidFill>
                                   <a:schemeClr val="tx1"/>
                                 </a:solidFill>
@@ -4802,7 +4992,7 @@
                           </m:accPr>
                           <m:e>
                             <m:r>
-                              <a:rPr lang="en-US" sz="2800" b="0" i="1" smtClean="0">
+                              <a:rPr lang="en-US" sz="2000" b="0" i="1" smtClean="0">
                                 <a:solidFill>
                                   <a:schemeClr val="tx1"/>
                                 </a:solidFill>
@@ -4815,7 +5005,7 @@
                       </m:e>
                       <m:sup>
                         <m:r>
-                          <a:rPr lang="en-US" sz="2800" b="0" i="1" smtClean="0">
+                          <a:rPr lang="en-US" sz="2000" b="0" i="1" smtClean="0">
                             <a:solidFill>
                               <a:schemeClr val="tx1"/>
                             </a:solidFill>
@@ -4826,7 +5016,7 @@
                       </m:sup>
                     </m:sSup>
                     <m:r>
-                      <a:rPr lang="en-US" sz="2800" b="0" i="1" smtClean="0">
+                      <a:rPr lang="en-US" sz="2000" b="0" i="1" smtClean="0">
                         <a:solidFill>
                           <a:schemeClr val="tx1"/>
                         </a:solidFill>
@@ -4837,7 +5027,7 @@
                     <m:sSup>
                       <m:sSupPr>
                         <m:ctrlPr>
-                          <a:rPr lang="en-US" sz="2800" b="0" i="1" smtClean="0">
+                          <a:rPr lang="en-US" sz="2000" b="0" i="1" smtClean="0">
                             <a:solidFill>
                               <a:schemeClr val="tx1"/>
                             </a:solidFill>
@@ -4849,7 +5039,7 @@
                         <m:sSup>
                           <m:sSupPr>
                             <m:ctrlPr>
-                              <a:rPr lang="en-US" sz="2800" b="0" i="1" smtClean="0">
+                              <a:rPr lang="en-US" sz="2000" b="0" i="1" smtClean="0">
                                 <a:solidFill>
                                   <a:schemeClr val="tx1"/>
                                 </a:solidFill>
@@ -4859,7 +5049,7 @@
                           </m:sSupPr>
                           <m:e>
                             <m:r>
-                              <a:rPr lang="en-US" sz="2800" b="0" i="1" smtClean="0">
+                              <a:rPr lang="en-US" sz="2000" b="0" i="1" smtClean="0">
                                 <a:solidFill>
                                   <a:schemeClr val="tx1"/>
                                 </a:solidFill>
@@ -4870,7 +5060,7 @@
                           </m:e>
                           <m:sup>
                             <m:r>
-                              <a:rPr lang="en-US" sz="2800" b="0" i="1" smtClean="0">
+                              <a:rPr lang="en-US" sz="2000" b="0" i="1" smtClean="0">
                                 <a:solidFill>
                                   <a:schemeClr val="tx1"/>
                                 </a:solidFill>
@@ -4884,7 +5074,7 @@
                           <m:accPr>
                             <m:chr m:val="̂"/>
                             <m:ctrlPr>
-                              <a:rPr lang="en-US" sz="2800" b="0" i="1" smtClean="0">
+                              <a:rPr lang="en-US" sz="2000" b="0" i="1" smtClean="0">
                                 <a:solidFill>
                                   <a:schemeClr val="tx1"/>
                                 </a:solidFill>
@@ -4894,7 +5084,7 @@
                           </m:accPr>
                           <m:e>
                             <m:r>
-                              <a:rPr lang="en-US" sz="2800" b="0" i="1" smtClean="0">
+                              <a:rPr lang="en-US" sz="2000" b="0" i="1" smtClean="0">
                                 <a:solidFill>
                                   <a:schemeClr val="tx1"/>
                                 </a:solidFill>
@@ -4907,7 +5097,7 @@
                       </m:e>
                       <m:sup>
                         <m:r>
-                          <a:rPr lang="en-US" sz="2800" b="0" i="1" smtClean="0">
+                          <a:rPr lang="en-US" sz="2000" b="0" i="1" smtClean="0">
                             <a:solidFill>
                               <a:schemeClr val="tx1"/>
                             </a:solidFill>
@@ -4920,25 +5110,17 @@
                   </m:oMath>
                 </a14:m>
                 <a:r>
-                  <a:rPr lang="en-US" sz="2800" b="0" dirty="0">
+                  <a:rPr lang="en-US" sz="2000" b="0" dirty="0">
                     <a:solidFill>
                       <a:schemeClr val="tx1"/>
                     </a:solidFill>
                   </a:rPr>
-                  <a:t>      </a:t>
-                </a:r>
-                <a:r>
-                  <a:rPr lang="en-US" sz="2400" b="0" dirty="0">
-                    <a:solidFill>
-                      <a:schemeClr val="tx1"/>
-                    </a:solidFill>
-                  </a:rPr>
-                  <a:t>where </a:t>
+                  <a:t>   where </a:t>
                 </a:r>
                 <a14:m>
                   <m:oMath xmlns:m="http://schemas.openxmlformats.org/officeDocument/2006/math">
                     <m:r>
-                      <a:rPr lang="en-US" sz="2400" b="0" i="1" smtClean="0">
+                      <a:rPr lang="en-US" sz="2000" b="0" i="1" smtClean="0">
                         <a:solidFill>
                           <a:schemeClr val="tx1"/>
                         </a:solidFill>
@@ -4947,7 +5129,7 @@
                       <m:t>ℏ≡</m:t>
                     </m:r>
                     <m:r>
-                      <a:rPr lang="en-US" sz="2400" b="0" i="1" smtClean="0">
+                      <a:rPr lang="en-US" sz="2000" b="0" i="1" smtClean="0">
                         <a:solidFill>
                           <a:schemeClr val="tx1"/>
                         </a:solidFill>
@@ -4956,7 +5138,7 @@
                       <m:t>𝑚</m:t>
                     </m:r>
                     <m:r>
-                      <a:rPr lang="en-US" sz="2400" b="0" i="1" smtClean="0">
+                      <a:rPr lang="en-US" sz="2000" b="0" i="1" smtClean="0">
                         <a:solidFill>
                           <a:schemeClr val="tx1"/>
                         </a:solidFill>
@@ -4967,7 +5149,7 @@
                   </m:oMath>
                 </a14:m>
                 <a:r>
-                  <a:rPr lang="en-US" sz="2400" b="0" dirty="0">
+                  <a:rPr lang="en-US" sz="2000" b="0" dirty="0">
                     <a:solidFill>
                       <a:schemeClr val="tx1"/>
                     </a:solidFill>
@@ -4978,7 +5160,7 @@
               <a:p>
                 <a:pPr algn="r" eaLnBrk="1" hangingPunct="1"/>
                 <a:r>
-                  <a:rPr lang="en-US" sz="2800" b="0" dirty="0">
+                  <a:rPr lang="en-US" sz="2000" b="0" dirty="0">
                     <a:solidFill>
                       <a:schemeClr val="tx1"/>
                     </a:solidFill>
@@ -4989,7 +5171,7 @@
             </p:txBody>
           </p:sp>
         </mc:Choice>
-        <mc:Fallback xmlns="">
+        <mc:Fallback>
           <p:sp>
             <p:nvSpPr>
               <p:cNvPr id="3" name="CasellaDiTesto 2">
@@ -5006,7 +5188,7 @@
             </p:nvSpPr>
             <p:spPr bwMode="auto">
               <a:xfrm>
-                <a:off x="442914" y="1824037"/>
+                <a:off x="596808" y="1713118"/>
                 <a:ext cx="5186361" cy="888435"/>
               </a:xfrm>
               <a:prstGeom prst="rect">
@@ -5015,7 +5197,7 @@
               <a:blipFill>
                 <a:blip r:embed="rId3"/>
                 <a:stretch>
-                  <a:fillRect l="-2588" t="-9589" r="-4235" b="-23288"/>
+                  <a:fillRect l="-1763"/>
                 </a:stretch>
               </a:blipFill>
               <a:ln>
@@ -5056,6 +5238,2751 @@
           </p:sp>
         </mc:Fallback>
       </mc:AlternateContent>
+      <mc:AlternateContent xmlns:mc="http://schemas.openxmlformats.org/markup-compatibility/2006">
+        <mc:Choice xmlns:a14="http://schemas.microsoft.com/office/drawing/2010/main" Requires="a14">
+          <p:sp>
+            <p:nvSpPr>
+              <p:cNvPr id="6" name="CasellaDiTesto 5">
+                <a:extLst>
+                  <a:ext uri="{FF2B5EF4-FFF2-40B4-BE49-F238E27FC236}">
+                    <a16:creationId xmlns:a16="http://schemas.microsoft.com/office/drawing/2014/main" id="{1371A21C-1FDF-4F35-A609-D84FF5691201}"/>
+                  </a:ext>
+                </a:extLst>
+              </p:cNvPr>
+              <p:cNvSpPr txBox="1"/>
+              <p:nvPr/>
+            </p:nvSpPr>
+            <p:spPr bwMode="auto">
+              <a:xfrm>
+                <a:off x="596808" y="2069725"/>
+                <a:ext cx="1921670" cy="914400"/>
+              </a:xfrm>
+              <a:prstGeom prst="rect">
+                <a:avLst/>
+              </a:prstGeom>
+              <a:noFill/>
+              <a:ln>
+                <a:noFill/>
+              </a:ln>
+              <a:extLst>
+                <a:ext uri="{909E8E84-426E-40DD-AFC4-6F175D3DCCD1}">
+                  <a14:hiddenFill>
+                    <a:solidFill>
+                      <a:srgbClr val="FFFFFF"/>
+                    </a:solidFill>
+                  </a14:hiddenFill>
+                </a:ext>
+                <a:ext uri="{91240B29-F687-4F45-9708-019B960494DF}">
+                  <a14:hiddenLine w="9525">
+                    <a:solidFill>
+                      <a:srgbClr val="000000"/>
+                    </a:solidFill>
+                    <a:miter lim="800000"/>
+                    <a:headEnd/>
+                    <a:tailEnd/>
+                  </a14:hiddenLine>
+                </a:ext>
+              </a:extLst>
+            </p:spPr>
+            <p:txBody>
+              <a:bodyPr wrap="none" lIns="0" tIns="0" rIns="0" bIns="0" rtlCol="0" anchor="ctr" anchorCtr="0">
+                <a:noAutofit/>
+              </a:bodyPr>
+              <a:lstStyle/>
+              <a:p>
+                <a:pPr algn="r" eaLnBrk="1" hangingPunct="1"/>
+                <a14:m>
+                  <m:oMathPara xmlns:m="http://schemas.openxmlformats.org/officeDocument/2006/math">
+                    <m:oMathParaPr>
+                      <m:jc m:val="left"/>
+                    </m:oMathParaPr>
+                    <m:oMath xmlns:m="http://schemas.openxmlformats.org/officeDocument/2006/math">
+                      <m:acc>
+                        <m:accPr>
+                          <m:chr m:val="̂"/>
+                          <m:ctrlPr>
+                            <a:rPr lang="en-US" sz="2000" b="0" i="1" smtClean="0">
+                              <a:solidFill>
+                                <a:schemeClr val="tx1"/>
+                              </a:solidFill>
+                              <a:latin typeface="Cambria Math" panose="02040503050406030204" pitchFamily="18" charset="0"/>
+                            </a:rPr>
+                          </m:ctrlPr>
+                        </m:accPr>
+                        <m:e>
+                          <m:r>
+                            <a:rPr lang="en-US" sz="2000" b="0" i="1" smtClean="0">
+                              <a:solidFill>
+                                <a:schemeClr val="tx1"/>
+                              </a:solidFill>
+                              <a:latin typeface="Cambria Math" panose="02040503050406030204" pitchFamily="18" charset="0"/>
+                            </a:rPr>
+                            <m:t>𝐻</m:t>
+                          </m:r>
+                        </m:e>
+                      </m:acc>
+                      <m:r>
+                        <a:rPr lang="en-US" sz="2000" b="0" i="1" smtClean="0">
+                          <a:solidFill>
+                            <a:schemeClr val="tx1"/>
+                          </a:solidFill>
+                          <a:latin typeface="Cambria Math" panose="02040503050406030204" pitchFamily="18" charset="0"/>
+                        </a:rPr>
+                        <m:t>𝜓</m:t>
+                      </m:r>
+                      <m:r>
+                        <a:rPr lang="en-US" sz="2000" b="0" i="1" smtClean="0">
+                          <a:solidFill>
+                            <a:schemeClr val="tx1"/>
+                          </a:solidFill>
+                          <a:latin typeface="Cambria Math" panose="02040503050406030204" pitchFamily="18" charset="0"/>
+                        </a:rPr>
+                        <m:t>=</m:t>
+                      </m:r>
+                      <m:r>
+                        <a:rPr lang="en-US" sz="2000" b="0" i="1" smtClean="0">
+                          <a:solidFill>
+                            <a:schemeClr val="tx1"/>
+                          </a:solidFill>
+                          <a:latin typeface="Cambria Math" panose="02040503050406030204" pitchFamily="18" charset="0"/>
+                        </a:rPr>
+                        <m:t>𝐸</m:t>
+                      </m:r>
+                      <m:r>
+                        <a:rPr lang="en-US" sz="2000" b="0" i="1" smtClean="0">
+                          <a:solidFill>
+                            <a:schemeClr val="tx1"/>
+                          </a:solidFill>
+                          <a:latin typeface="Cambria Math" panose="02040503050406030204" pitchFamily="18" charset="0"/>
+                        </a:rPr>
+                        <m:t>𝜓</m:t>
+                      </m:r>
+                    </m:oMath>
+                  </m:oMathPara>
+                </a14:m>
+                <a:endParaRPr lang="en-US" sz="2000" b="0" dirty="0">
+                  <a:solidFill>
+                    <a:schemeClr val="tx1"/>
+                  </a:solidFill>
+                </a:endParaRPr>
+              </a:p>
+            </p:txBody>
+          </p:sp>
+        </mc:Choice>
+        <mc:Fallback>
+          <p:sp>
+            <p:nvSpPr>
+              <p:cNvPr id="6" name="CasellaDiTesto 5">
+                <a:extLst>
+                  <a:ext uri="{FF2B5EF4-FFF2-40B4-BE49-F238E27FC236}">
+                    <a16:creationId xmlns:a16="http://schemas.microsoft.com/office/drawing/2014/main" id="{1371A21C-1FDF-4F35-A609-D84FF5691201}"/>
+                  </a:ext>
+                </a:extLst>
+              </p:cNvPr>
+              <p:cNvSpPr txBox="1">
+                <a:spLocks noRot="1" noChangeAspect="1" noMove="1" noResize="1" noEditPoints="1" noAdjustHandles="1" noChangeArrowheads="1" noChangeShapeType="1" noTextEdit="1"/>
+              </p:cNvSpPr>
+              <p:nvPr/>
+            </p:nvSpPr>
+            <p:spPr bwMode="auto">
+              <a:xfrm>
+                <a:off x="596808" y="2069725"/>
+                <a:ext cx="1921670" cy="914400"/>
+              </a:xfrm>
+              <a:prstGeom prst="rect">
+                <a:avLst/>
+              </a:prstGeom>
+              <a:blipFill>
+                <a:blip r:embed="rId4"/>
+                <a:stretch>
+                  <a:fillRect l="-4762"/>
+                </a:stretch>
+              </a:blipFill>
+              <a:ln>
+                <a:noFill/>
+              </a:ln>
+              <a:extLst>
+                <a:ext uri="{909E8E84-426E-40DD-AFC4-6F175D3DCCD1}">
+                  <a14:hiddenFill xmlns:a14="http://schemas.microsoft.com/office/drawing/2010/main">
+                    <a:solidFill>
+                      <a:srgbClr val="FFFFFF"/>
+                    </a:solidFill>
+                  </a14:hiddenFill>
+                </a:ext>
+                <a:ext uri="{91240B29-F687-4F45-9708-019B960494DF}">
+                  <a14:hiddenLine xmlns:a14="http://schemas.microsoft.com/office/drawing/2010/main" w="9525">
+                    <a:solidFill>
+                      <a:srgbClr val="000000"/>
+                    </a:solidFill>
+                    <a:miter lim="800000"/>
+                    <a:headEnd/>
+                    <a:tailEnd/>
+                  </a14:hiddenLine>
+                </a:ext>
+              </a:extLst>
+            </p:spPr>
+            <p:txBody>
+              <a:bodyPr/>
+              <a:lstStyle/>
+              <a:p>
+                <a:r>
+                  <a:rPr lang="en-US">
+                    <a:noFill/>
+                  </a:rPr>
+                  <a:t> </a:t>
+                </a:r>
+              </a:p>
+            </p:txBody>
+          </p:sp>
+        </mc:Fallback>
+      </mc:AlternateContent>
+      <mc:AlternateContent xmlns:mc="http://schemas.openxmlformats.org/markup-compatibility/2006">
+        <mc:Choice xmlns:a14="http://schemas.microsoft.com/office/drawing/2010/main" Requires="a14">
+          <p:sp>
+            <p:nvSpPr>
+              <p:cNvPr id="7" name="CasellaDiTesto 6">
+                <a:extLst>
+                  <a:ext uri="{FF2B5EF4-FFF2-40B4-BE49-F238E27FC236}">
+                    <a16:creationId xmlns:a16="http://schemas.microsoft.com/office/drawing/2014/main" id="{4E463B89-6D49-4FD2-A177-E826574CB83B}"/>
+                  </a:ext>
+                </a:extLst>
+              </p:cNvPr>
+              <p:cNvSpPr txBox="1"/>
+              <p:nvPr/>
+            </p:nvSpPr>
+            <p:spPr bwMode="auto">
+              <a:xfrm>
+                <a:off x="596808" y="2526925"/>
+                <a:ext cx="3554423" cy="914400"/>
+              </a:xfrm>
+              <a:prstGeom prst="rect">
+                <a:avLst/>
+              </a:prstGeom>
+              <a:noFill/>
+              <a:ln>
+                <a:noFill/>
+              </a:ln>
+              <a:extLst>
+                <a:ext uri="{909E8E84-426E-40DD-AFC4-6F175D3DCCD1}">
+                  <a14:hiddenFill>
+                    <a:solidFill>
+                      <a:srgbClr val="FFFFFF"/>
+                    </a:solidFill>
+                  </a14:hiddenFill>
+                </a:ext>
+                <a:ext uri="{91240B29-F687-4F45-9708-019B960494DF}">
+                  <a14:hiddenLine w="9525">
+                    <a:solidFill>
+                      <a:srgbClr val="000000"/>
+                    </a:solidFill>
+                    <a:miter lim="800000"/>
+                    <a:headEnd/>
+                    <a:tailEnd/>
+                  </a14:hiddenLine>
+                </a:ext>
+              </a:extLst>
+            </p:spPr>
+            <p:txBody>
+              <a:bodyPr wrap="none" lIns="0" tIns="0" rIns="0" bIns="0" rtlCol="0" anchor="ctr" anchorCtr="0">
+                <a:noAutofit/>
+              </a:bodyPr>
+              <a:lstStyle/>
+              <a:p>
+                <a:pPr eaLnBrk="1" hangingPunct="1"/>
+                <a14:m>
+                  <m:oMath xmlns:m="http://schemas.openxmlformats.org/officeDocument/2006/math">
+                    <m:acc>
+                      <m:accPr>
+                        <m:chr m:val="̂"/>
+                        <m:ctrlPr>
+                          <a:rPr lang="en-US" sz="2000" b="0" i="1" smtClean="0">
+                            <a:solidFill>
+                              <a:schemeClr val="tx1"/>
+                            </a:solidFill>
+                            <a:latin typeface="Cambria Math" panose="02040503050406030204" pitchFamily="18" charset="0"/>
+                          </a:rPr>
+                        </m:ctrlPr>
+                      </m:accPr>
+                      <m:e>
+                        <m:r>
+                          <a:rPr lang="en-US" sz="2000" b="0" i="1" smtClean="0">
+                            <a:solidFill>
+                              <a:schemeClr val="tx1"/>
+                            </a:solidFill>
+                            <a:latin typeface="Cambria Math" panose="02040503050406030204" pitchFamily="18" charset="0"/>
+                          </a:rPr>
+                          <m:t>𝑝</m:t>
+                        </m:r>
+                      </m:e>
+                    </m:acc>
+                    <m:r>
+                      <a:rPr lang="en-US" sz="2000" b="0" i="1" smtClean="0">
+                        <a:solidFill>
+                          <a:schemeClr val="tx1"/>
+                        </a:solidFill>
+                        <a:latin typeface="Cambria Math" panose="02040503050406030204" pitchFamily="18" charset="0"/>
+                      </a:rPr>
+                      <m:t>→−</m:t>
+                    </m:r>
+                    <m:r>
+                      <a:rPr lang="en-US" sz="2000" b="0" i="1" smtClean="0">
+                        <a:solidFill>
+                          <a:schemeClr val="tx1"/>
+                        </a:solidFill>
+                        <a:latin typeface="Cambria Math" panose="02040503050406030204" pitchFamily="18" charset="0"/>
+                      </a:rPr>
+                      <m:t>𝑖</m:t>
+                    </m:r>
+                    <m:r>
+                      <a:rPr lang="en-US" sz="2000" b="0" i="1" smtClean="0">
+                        <a:solidFill>
+                          <a:schemeClr val="tx1"/>
+                        </a:solidFill>
+                        <a:latin typeface="Cambria Math" panose="02040503050406030204" pitchFamily="18" charset="0"/>
+                      </a:rPr>
+                      <m:t>ℏ</m:t>
+                    </m:r>
+                    <m:r>
+                      <a:rPr lang="en-US" sz="2000" b="0" i="1" smtClean="0">
+                        <a:solidFill>
+                          <a:schemeClr val="tx1"/>
+                        </a:solidFill>
+                        <a:latin typeface="Cambria Math" panose="02040503050406030204" pitchFamily="18" charset="0"/>
+                      </a:rPr>
+                      <m:t>𝜕</m:t>
+                    </m:r>
+                    <m:r>
+                      <a:rPr lang="en-US" sz="2000" b="0" i="1" smtClean="0">
+                        <a:solidFill>
+                          <a:schemeClr val="tx1"/>
+                        </a:solidFill>
+                        <a:latin typeface="Cambria Math" panose="02040503050406030204" pitchFamily="18" charset="0"/>
+                      </a:rPr>
+                      <m:t>/</m:t>
+                    </m:r>
+                    <m:r>
+                      <a:rPr lang="en-US" sz="2000" b="0" i="1" smtClean="0">
+                        <a:solidFill>
+                          <a:schemeClr val="tx1"/>
+                        </a:solidFill>
+                        <a:latin typeface="Cambria Math" panose="02040503050406030204" pitchFamily="18" charset="0"/>
+                      </a:rPr>
+                      <m:t>𝜕</m:t>
+                    </m:r>
+                    <m:r>
+                      <a:rPr lang="en-US" sz="2000" b="0" i="1" smtClean="0">
+                        <a:solidFill>
+                          <a:schemeClr val="tx1"/>
+                        </a:solidFill>
+                        <a:latin typeface="Cambria Math" panose="02040503050406030204" pitchFamily="18" charset="0"/>
+                      </a:rPr>
+                      <m:t>𝑥</m:t>
+                    </m:r>
+                  </m:oMath>
+                </a14:m>
+                <a:r>
+                  <a:rPr lang="en-US" sz="2000" b="0" dirty="0">
+                    <a:solidFill>
+                      <a:schemeClr val="tx1"/>
+                    </a:solidFill>
+                  </a:rPr>
+                  <a:t>,    </a:t>
+                </a:r>
+                <a14:m>
+                  <m:oMath xmlns:m="http://schemas.openxmlformats.org/officeDocument/2006/math">
+                    <m:acc>
+                      <m:accPr>
+                        <m:chr m:val="̂"/>
+                        <m:ctrlPr>
+                          <a:rPr lang="en-US" sz="2000" b="0" i="1" smtClean="0">
+                            <a:solidFill>
+                              <a:schemeClr val="tx1"/>
+                            </a:solidFill>
+                            <a:latin typeface="Cambria Math" panose="02040503050406030204" pitchFamily="18" charset="0"/>
+                          </a:rPr>
+                        </m:ctrlPr>
+                      </m:accPr>
+                      <m:e>
+                        <m:r>
+                          <a:rPr lang="en-US" sz="2000" b="0" i="1" smtClean="0">
+                            <a:solidFill>
+                              <a:schemeClr val="tx1"/>
+                            </a:solidFill>
+                            <a:latin typeface="Cambria Math" panose="02040503050406030204" pitchFamily="18" charset="0"/>
+                          </a:rPr>
+                          <m:t>𝑥</m:t>
+                        </m:r>
+                      </m:e>
+                    </m:acc>
+                    <m:r>
+                      <a:rPr lang="en-US" sz="2000" b="0" i="1" smtClean="0">
+                        <a:solidFill>
+                          <a:schemeClr val="tx1"/>
+                        </a:solidFill>
+                        <a:latin typeface="Cambria Math" panose="02040503050406030204" pitchFamily="18" charset="0"/>
+                      </a:rPr>
+                      <m:t>→</m:t>
+                    </m:r>
+                    <m:r>
+                      <a:rPr lang="en-US" sz="2000" b="0" i="1" smtClean="0">
+                        <a:solidFill>
+                          <a:schemeClr val="tx1"/>
+                        </a:solidFill>
+                        <a:latin typeface="Cambria Math" panose="02040503050406030204" pitchFamily="18" charset="0"/>
+                      </a:rPr>
+                      <m:t>𝑥</m:t>
+                    </m:r>
+                  </m:oMath>
+                </a14:m>
+                <a:r>
+                  <a:rPr lang="en-US" sz="2000" b="0" dirty="0">
+                    <a:solidFill>
+                      <a:schemeClr val="tx1"/>
+                    </a:solidFill>
+                  </a:rPr>
+                  <a:t>   </a:t>
+                </a:r>
+              </a:p>
+            </p:txBody>
+          </p:sp>
+        </mc:Choice>
+        <mc:Fallback>
+          <p:sp>
+            <p:nvSpPr>
+              <p:cNvPr id="7" name="CasellaDiTesto 6">
+                <a:extLst>
+                  <a:ext uri="{FF2B5EF4-FFF2-40B4-BE49-F238E27FC236}">
+                    <a16:creationId xmlns:a16="http://schemas.microsoft.com/office/drawing/2014/main" id="{4E463B89-6D49-4FD2-A177-E826574CB83B}"/>
+                  </a:ext>
+                </a:extLst>
+              </p:cNvPr>
+              <p:cNvSpPr txBox="1">
+                <a:spLocks noRot="1" noChangeAspect="1" noMove="1" noResize="1" noEditPoints="1" noAdjustHandles="1" noChangeArrowheads="1" noChangeShapeType="1" noTextEdit="1"/>
+              </p:cNvSpPr>
+              <p:nvPr/>
+            </p:nvSpPr>
+            <p:spPr bwMode="auto">
+              <a:xfrm>
+                <a:off x="596808" y="2526925"/>
+                <a:ext cx="3554423" cy="914400"/>
+              </a:xfrm>
+              <a:prstGeom prst="rect">
+                <a:avLst/>
+              </a:prstGeom>
+              <a:blipFill>
+                <a:blip r:embed="rId5"/>
+                <a:stretch>
+                  <a:fillRect l="-2573"/>
+                </a:stretch>
+              </a:blipFill>
+              <a:ln>
+                <a:noFill/>
+              </a:ln>
+              <a:extLst>
+                <a:ext uri="{909E8E84-426E-40DD-AFC4-6F175D3DCCD1}">
+                  <a14:hiddenFill xmlns:a14="http://schemas.microsoft.com/office/drawing/2010/main">
+                    <a:solidFill>
+                      <a:srgbClr val="FFFFFF"/>
+                    </a:solidFill>
+                  </a14:hiddenFill>
+                </a:ext>
+                <a:ext uri="{91240B29-F687-4F45-9708-019B960494DF}">
+                  <a14:hiddenLine xmlns:a14="http://schemas.microsoft.com/office/drawing/2010/main" w="9525">
+                    <a:solidFill>
+                      <a:srgbClr val="000000"/>
+                    </a:solidFill>
+                    <a:miter lim="800000"/>
+                    <a:headEnd/>
+                    <a:tailEnd/>
+                  </a14:hiddenLine>
+                </a:ext>
+              </a:extLst>
+            </p:spPr>
+            <p:txBody>
+              <a:bodyPr/>
+              <a:lstStyle/>
+              <a:p>
+                <a:r>
+                  <a:rPr lang="en-US">
+                    <a:noFill/>
+                  </a:rPr>
+                  <a:t> </a:t>
+                </a:r>
+              </a:p>
+            </p:txBody>
+          </p:sp>
+        </mc:Fallback>
+      </mc:AlternateContent>
+      <p:sp>
+        <p:nvSpPr>
+          <p:cNvPr id="8" name="Parentesi graffa aperta 7">
+            <a:extLst>
+              <a:ext uri="{FF2B5EF4-FFF2-40B4-BE49-F238E27FC236}">
+                <a16:creationId xmlns:a16="http://schemas.microsoft.com/office/drawing/2014/main" id="{89C6D08E-F7DF-4CFD-A403-5D2BE6DFC082}"/>
+              </a:ext>
+            </a:extLst>
+          </p:cNvPr>
+          <p:cNvSpPr/>
+          <p:nvPr/>
+        </p:nvSpPr>
+        <p:spPr bwMode="auto">
+          <a:xfrm>
+            <a:off x="215195" y="1730921"/>
+            <a:ext cx="106230" cy="1570018"/>
+          </a:xfrm>
+          <a:prstGeom prst="leftBrace">
+            <a:avLst/>
+          </a:prstGeom>
+          <a:noFill/>
+          <a:ln w="25400" cap="flat" cmpd="sng" algn="ctr">
+            <a:solidFill>
+              <a:schemeClr val="tx1"/>
+            </a:solidFill>
+            <a:prstDash val="solid"/>
+            <a:round/>
+            <a:headEnd type="none" w="med" len="med"/>
+            <a:tailEnd type="none" w="med" len="med"/>
+          </a:ln>
+          <a:effectLst/>
+        </p:spPr>
+        <p:txBody>
+          <a:bodyPr vert="horz" wrap="square" lIns="91440" tIns="45720" rIns="91440" bIns="45720" numCol="1" rtlCol="0" anchor="t" anchorCtr="0" compatLnSpc="1">
+            <a:prstTxWarp prst="textNoShape">
+              <a:avLst/>
+            </a:prstTxWarp>
+          </a:bodyPr>
+          <a:lstStyle/>
+          <a:p>
+            <a:pPr marL="0" marR="0" indent="0" algn="l" defTabSz="914400" rtl="0" eaLnBrk="1" fontAlgn="base" latinLnBrk="0" hangingPunct="1">
+              <a:lnSpc>
+                <a:spcPct val="100000"/>
+              </a:lnSpc>
+              <a:spcBef>
+                <a:spcPct val="0"/>
+              </a:spcBef>
+              <a:spcAft>
+                <a:spcPct val="0"/>
+              </a:spcAft>
+              <a:buClrTx/>
+              <a:buSzTx/>
+              <a:buFontTx/>
+              <a:buNone/>
+              <a:tabLst/>
+            </a:pPr>
+            <a:endParaRPr kumimoji="0" lang="en-US" sz="1800" b="1" i="0" u="none" strike="noStrike" cap="none" normalizeH="0" baseline="0">
+              <a:ln>
+                <a:noFill/>
+              </a:ln>
+              <a:solidFill>
+                <a:schemeClr val="tx1"/>
+              </a:solidFill>
+              <a:effectLst/>
+              <a:latin typeface="Arial" charset="0"/>
+            </a:endParaRPr>
+          </a:p>
+        </p:txBody>
+      </p:sp>
+      <mc:AlternateContent xmlns:mc="http://schemas.openxmlformats.org/markup-compatibility/2006">
+        <mc:Choice xmlns:a14="http://schemas.microsoft.com/office/drawing/2010/main" Requires="a14">
+          <p:sp>
+            <p:nvSpPr>
+              <p:cNvPr id="9" name="CasellaDiTesto 8">
+                <a:extLst>
+                  <a:ext uri="{FF2B5EF4-FFF2-40B4-BE49-F238E27FC236}">
+                    <a16:creationId xmlns:a16="http://schemas.microsoft.com/office/drawing/2014/main" id="{2198640E-8D19-44A9-82E7-FC93BC6803AB}"/>
+                  </a:ext>
+                </a:extLst>
+              </p:cNvPr>
+              <p:cNvSpPr txBox="1"/>
+              <p:nvPr/>
+            </p:nvSpPr>
+            <p:spPr bwMode="auto">
+              <a:xfrm>
+                <a:off x="5041260" y="1713118"/>
+                <a:ext cx="4079948" cy="817418"/>
+              </a:xfrm>
+              <a:prstGeom prst="rect">
+                <a:avLst/>
+              </a:prstGeom>
+              <a:noFill/>
+              <a:ln>
+                <a:noFill/>
+              </a:ln>
+              <a:extLst>
+                <a:ext uri="{909E8E84-426E-40DD-AFC4-6F175D3DCCD1}">
+                  <a14:hiddenFill>
+                    <a:solidFill>
+                      <a:srgbClr val="FFFFFF"/>
+                    </a:solidFill>
+                  </a14:hiddenFill>
+                </a:ext>
+                <a:ext uri="{91240B29-F687-4F45-9708-019B960494DF}">
+                  <a14:hiddenLine w="9525">
+                    <a:solidFill>
+                      <a:srgbClr val="000000"/>
+                    </a:solidFill>
+                    <a:miter lim="800000"/>
+                    <a:headEnd/>
+                    <a:tailEnd/>
+                  </a14:hiddenLine>
+                </a:ext>
+              </a:extLst>
+            </p:spPr>
+            <p:txBody>
+              <a:bodyPr wrap="none" lIns="0" tIns="0" rIns="0" bIns="0" rtlCol="0" anchor="ctr" anchorCtr="0">
+                <a:noAutofit/>
+              </a:bodyPr>
+              <a:lstStyle/>
+              <a:p>
+                <a:pPr algn="r" eaLnBrk="1" hangingPunct="1"/>
+                <a14:m>
+                  <m:oMathPara xmlns:m="http://schemas.openxmlformats.org/officeDocument/2006/math">
+                    <m:oMathParaPr>
+                      <m:jc m:val="left"/>
+                    </m:oMathParaPr>
+                    <m:oMath xmlns:m="http://schemas.openxmlformats.org/officeDocument/2006/math">
+                      <m:d>
+                        <m:dPr>
+                          <m:ctrlPr>
+                            <a:rPr lang="en-US" sz="2000" b="0" i="1" smtClean="0">
+                              <a:solidFill>
+                                <a:schemeClr val="tx1"/>
+                              </a:solidFill>
+                              <a:latin typeface="Cambria Math" panose="02040503050406030204" pitchFamily="18" charset="0"/>
+                            </a:rPr>
+                          </m:ctrlPr>
+                        </m:dPr>
+                        <m:e>
+                          <m:r>
+                            <a:rPr lang="en-US" sz="2000" b="0" i="1" smtClean="0">
+                              <a:solidFill>
+                                <a:schemeClr val="tx1"/>
+                              </a:solidFill>
+                              <a:latin typeface="Cambria Math" panose="02040503050406030204" pitchFamily="18" charset="0"/>
+                            </a:rPr>
+                            <m:t>−</m:t>
+                          </m:r>
+                          <m:f>
+                            <m:fPr>
+                              <m:ctrlPr>
+                                <a:rPr lang="en-US" sz="2000" b="0" i="1" smtClean="0">
+                                  <a:solidFill>
+                                    <a:schemeClr val="tx1"/>
+                                  </a:solidFill>
+                                  <a:latin typeface="Cambria Math" panose="02040503050406030204" pitchFamily="18" charset="0"/>
+                                </a:rPr>
+                              </m:ctrlPr>
+                            </m:fPr>
+                            <m:num>
+                              <m:r>
+                                <a:rPr lang="en-US" sz="2000" b="0" i="1" smtClean="0">
+                                  <a:solidFill>
+                                    <a:schemeClr val="tx1"/>
+                                  </a:solidFill>
+                                  <a:latin typeface="Cambria Math" panose="02040503050406030204" pitchFamily="18" charset="0"/>
+                                </a:rPr>
+                                <m:t>1</m:t>
+                              </m:r>
+                            </m:num>
+                            <m:den>
+                              <m:r>
+                                <a:rPr lang="en-US" sz="2000" b="0" i="1" smtClean="0">
+                                  <a:solidFill>
+                                    <a:schemeClr val="tx1"/>
+                                  </a:solidFill>
+                                  <a:latin typeface="Cambria Math" panose="02040503050406030204" pitchFamily="18" charset="0"/>
+                                </a:rPr>
+                                <m:t>2</m:t>
+                              </m:r>
+                            </m:den>
+                          </m:f>
+                          <m:f>
+                            <m:fPr>
+                              <m:ctrlPr>
+                                <a:rPr lang="en-US" sz="2000" b="0" i="1" smtClean="0">
+                                  <a:solidFill>
+                                    <a:schemeClr val="tx1"/>
+                                  </a:solidFill>
+                                  <a:latin typeface="Cambria Math" panose="02040503050406030204" pitchFamily="18" charset="0"/>
+                                </a:rPr>
+                              </m:ctrlPr>
+                            </m:fPr>
+                            <m:num>
+                              <m:sSup>
+                                <m:sSupPr>
+                                  <m:ctrlPr>
+                                    <a:rPr lang="en-US" sz="2000" b="0" i="1" smtClean="0">
+                                      <a:solidFill>
+                                        <a:schemeClr val="tx1"/>
+                                      </a:solidFill>
+                                      <a:latin typeface="Cambria Math" panose="02040503050406030204" pitchFamily="18" charset="0"/>
+                                    </a:rPr>
+                                  </m:ctrlPr>
+                                </m:sSupPr>
+                                <m:e>
+                                  <m:r>
+                                    <a:rPr lang="en-US" sz="2000" b="0" i="1" smtClean="0">
+                                      <a:solidFill>
+                                        <a:schemeClr val="tx1"/>
+                                      </a:solidFill>
+                                      <a:latin typeface="Cambria Math" panose="02040503050406030204" pitchFamily="18" charset="0"/>
+                                    </a:rPr>
+                                    <m:t>𝜕</m:t>
+                                  </m:r>
+                                </m:e>
+                                <m:sup>
+                                  <m:r>
+                                    <a:rPr lang="en-US" sz="2000" b="0" i="1" smtClean="0">
+                                      <a:solidFill>
+                                        <a:schemeClr val="tx1"/>
+                                      </a:solidFill>
+                                      <a:latin typeface="Cambria Math" panose="02040503050406030204" pitchFamily="18" charset="0"/>
+                                    </a:rPr>
+                                    <m:t>2</m:t>
+                                  </m:r>
+                                </m:sup>
+                              </m:sSup>
+                            </m:num>
+                            <m:den>
+                              <m:r>
+                                <a:rPr lang="en-US" sz="2000" b="0" i="1" smtClean="0">
+                                  <a:solidFill>
+                                    <a:schemeClr val="tx1"/>
+                                  </a:solidFill>
+                                  <a:latin typeface="Cambria Math" panose="02040503050406030204" pitchFamily="18" charset="0"/>
+                                </a:rPr>
+                                <m:t>𝜕</m:t>
+                              </m:r>
+                              <m:sSup>
+                                <m:sSupPr>
+                                  <m:ctrlPr>
+                                    <a:rPr lang="en-US" sz="2000" b="0" i="1" smtClean="0">
+                                      <a:solidFill>
+                                        <a:schemeClr val="tx1"/>
+                                      </a:solidFill>
+                                      <a:latin typeface="Cambria Math" panose="02040503050406030204" pitchFamily="18" charset="0"/>
+                                    </a:rPr>
+                                  </m:ctrlPr>
+                                </m:sSupPr>
+                                <m:e>
+                                  <m:r>
+                                    <a:rPr lang="en-US" sz="2000" b="0" i="1" smtClean="0">
+                                      <a:solidFill>
+                                        <a:schemeClr val="tx1"/>
+                                      </a:solidFill>
+                                      <a:latin typeface="Cambria Math" panose="02040503050406030204" pitchFamily="18" charset="0"/>
+                                    </a:rPr>
+                                    <m:t>𝑥</m:t>
+                                  </m:r>
+                                </m:e>
+                                <m:sup>
+                                  <m:r>
+                                    <a:rPr lang="en-US" sz="2000" b="0" i="1" smtClean="0">
+                                      <a:solidFill>
+                                        <a:schemeClr val="tx1"/>
+                                      </a:solidFill>
+                                      <a:latin typeface="Cambria Math" panose="02040503050406030204" pitchFamily="18" charset="0"/>
+                                    </a:rPr>
+                                    <m:t>2</m:t>
+                                  </m:r>
+                                </m:sup>
+                              </m:sSup>
+                            </m:den>
+                          </m:f>
+                          <m:r>
+                            <a:rPr lang="en-US" sz="2000" b="0" i="1" smtClean="0">
+                              <a:solidFill>
+                                <a:schemeClr val="tx1"/>
+                              </a:solidFill>
+                              <a:latin typeface="Cambria Math" panose="02040503050406030204" pitchFamily="18" charset="0"/>
+                            </a:rPr>
+                            <m:t>+</m:t>
+                          </m:r>
+                          <m:f>
+                            <m:fPr>
+                              <m:ctrlPr>
+                                <a:rPr lang="en-US" sz="2000" b="0" i="1" smtClean="0">
+                                  <a:solidFill>
+                                    <a:schemeClr val="tx1"/>
+                                  </a:solidFill>
+                                  <a:latin typeface="Cambria Math" panose="02040503050406030204" pitchFamily="18" charset="0"/>
+                                </a:rPr>
+                              </m:ctrlPr>
+                            </m:fPr>
+                            <m:num>
+                              <m:r>
+                                <a:rPr lang="en-US" sz="2000" b="0" i="1" smtClean="0">
+                                  <a:solidFill>
+                                    <a:schemeClr val="tx1"/>
+                                  </a:solidFill>
+                                  <a:latin typeface="Cambria Math" panose="02040503050406030204" pitchFamily="18" charset="0"/>
+                                </a:rPr>
+                                <m:t>1</m:t>
+                              </m:r>
+                            </m:num>
+                            <m:den>
+                              <m:r>
+                                <a:rPr lang="en-US" sz="2000" b="0" i="1" smtClean="0">
+                                  <a:solidFill>
+                                    <a:schemeClr val="tx1"/>
+                                  </a:solidFill>
+                                  <a:latin typeface="Cambria Math" panose="02040503050406030204" pitchFamily="18" charset="0"/>
+                                </a:rPr>
+                                <m:t>2</m:t>
+                              </m:r>
+                            </m:den>
+                          </m:f>
+                          <m:sSup>
+                            <m:sSupPr>
+                              <m:ctrlPr>
+                                <a:rPr lang="en-US" sz="2000" b="0" i="1" smtClean="0">
+                                  <a:solidFill>
+                                    <a:schemeClr val="tx1"/>
+                                  </a:solidFill>
+                                  <a:latin typeface="Cambria Math" panose="02040503050406030204" pitchFamily="18" charset="0"/>
+                                </a:rPr>
+                              </m:ctrlPr>
+                            </m:sSupPr>
+                            <m:e>
+                              <m:r>
+                                <a:rPr lang="en-US" sz="2000" b="0" i="1" smtClean="0">
+                                  <a:solidFill>
+                                    <a:schemeClr val="tx1"/>
+                                  </a:solidFill>
+                                  <a:latin typeface="Cambria Math" panose="02040503050406030204" pitchFamily="18" charset="0"/>
+                                </a:rPr>
+                                <m:t>𝜔</m:t>
+                              </m:r>
+                            </m:e>
+                            <m:sup>
+                              <m:r>
+                                <a:rPr lang="en-US" sz="2000" b="0" i="1" smtClean="0">
+                                  <a:solidFill>
+                                    <a:schemeClr val="tx1"/>
+                                  </a:solidFill>
+                                  <a:latin typeface="Cambria Math" panose="02040503050406030204" pitchFamily="18" charset="0"/>
+                                </a:rPr>
+                                <m:t>2</m:t>
+                              </m:r>
+                            </m:sup>
+                          </m:sSup>
+                          <m:sSup>
+                            <m:sSupPr>
+                              <m:ctrlPr>
+                                <a:rPr lang="en-US" sz="2000" b="0" i="1" smtClean="0">
+                                  <a:solidFill>
+                                    <a:schemeClr val="tx1"/>
+                                  </a:solidFill>
+                                  <a:latin typeface="Cambria Math" panose="02040503050406030204" pitchFamily="18" charset="0"/>
+                                </a:rPr>
+                              </m:ctrlPr>
+                            </m:sSupPr>
+                            <m:e>
+                              <m:r>
+                                <a:rPr lang="en-US" sz="2000" b="0" i="1" smtClean="0">
+                                  <a:solidFill>
+                                    <a:schemeClr val="tx1"/>
+                                  </a:solidFill>
+                                  <a:latin typeface="Cambria Math" panose="02040503050406030204" pitchFamily="18" charset="0"/>
+                                </a:rPr>
+                                <m:t>𝑥</m:t>
+                              </m:r>
+                            </m:e>
+                            <m:sup>
+                              <m:r>
+                                <a:rPr lang="en-US" sz="2000" b="0" i="1" smtClean="0">
+                                  <a:solidFill>
+                                    <a:schemeClr val="tx1"/>
+                                  </a:solidFill>
+                                  <a:latin typeface="Cambria Math" panose="02040503050406030204" pitchFamily="18" charset="0"/>
+                                </a:rPr>
+                                <m:t>2</m:t>
+                              </m:r>
+                            </m:sup>
+                          </m:sSup>
+                        </m:e>
+                      </m:d>
+                      <m:r>
+                        <a:rPr lang="en-US" sz="2000" b="0" i="1" smtClean="0">
+                          <a:solidFill>
+                            <a:schemeClr val="tx1"/>
+                          </a:solidFill>
+                          <a:latin typeface="Cambria Math" panose="02040503050406030204" pitchFamily="18" charset="0"/>
+                        </a:rPr>
+                        <m:t>𝜓</m:t>
+                      </m:r>
+                      <m:d>
+                        <m:dPr>
+                          <m:ctrlPr>
+                            <a:rPr lang="en-US" sz="2000" b="0" i="1" smtClean="0">
+                              <a:solidFill>
+                                <a:schemeClr val="tx1"/>
+                              </a:solidFill>
+                              <a:latin typeface="Cambria Math" panose="02040503050406030204" pitchFamily="18" charset="0"/>
+                            </a:rPr>
+                          </m:ctrlPr>
+                        </m:dPr>
+                        <m:e>
+                          <m:r>
+                            <a:rPr lang="en-US" sz="2000" b="0" i="1" smtClean="0">
+                              <a:solidFill>
+                                <a:schemeClr val="tx1"/>
+                              </a:solidFill>
+                              <a:latin typeface="Cambria Math" panose="02040503050406030204" pitchFamily="18" charset="0"/>
+                            </a:rPr>
+                            <m:t>𝑥</m:t>
+                          </m:r>
+                        </m:e>
+                      </m:d>
+                      <m:r>
+                        <a:rPr lang="en-US" sz="2000" b="0" i="1" smtClean="0">
+                          <a:solidFill>
+                            <a:schemeClr val="tx1"/>
+                          </a:solidFill>
+                          <a:latin typeface="Cambria Math" panose="02040503050406030204" pitchFamily="18" charset="0"/>
+                        </a:rPr>
+                        <m:t>=</m:t>
+                      </m:r>
+                      <m:sSub>
+                        <m:sSubPr>
+                          <m:ctrlPr>
+                            <a:rPr lang="en-US" sz="2000" b="0" i="1" smtClean="0">
+                              <a:solidFill>
+                                <a:schemeClr val="tx1"/>
+                              </a:solidFill>
+                              <a:latin typeface="Cambria Math" panose="02040503050406030204" pitchFamily="18" charset="0"/>
+                            </a:rPr>
+                          </m:ctrlPr>
+                        </m:sSubPr>
+                        <m:e>
+                          <m:r>
+                            <a:rPr lang="en-US" sz="2000" b="0" i="1" smtClean="0">
+                              <a:solidFill>
+                                <a:schemeClr val="tx1"/>
+                              </a:solidFill>
+                              <a:latin typeface="Cambria Math" panose="02040503050406030204" pitchFamily="18" charset="0"/>
+                            </a:rPr>
+                            <m:t>𝐸</m:t>
+                          </m:r>
+                        </m:e>
+                        <m:sub>
+                          <m:r>
+                            <a:rPr lang="en-US" sz="2000" b="0" i="1" smtClean="0">
+                              <a:solidFill>
+                                <a:schemeClr val="tx1"/>
+                              </a:solidFill>
+                              <a:latin typeface="Cambria Math" panose="02040503050406030204" pitchFamily="18" charset="0"/>
+                            </a:rPr>
+                            <m:t>𝑛</m:t>
+                          </m:r>
+                        </m:sub>
+                      </m:sSub>
+                      <m:r>
+                        <a:rPr lang="en-US" sz="2000" b="0" i="1" smtClean="0">
+                          <a:solidFill>
+                            <a:schemeClr val="tx1"/>
+                          </a:solidFill>
+                          <a:latin typeface="Cambria Math" panose="02040503050406030204" pitchFamily="18" charset="0"/>
+                        </a:rPr>
+                        <m:t>𝜓</m:t>
+                      </m:r>
+                      <m:d>
+                        <m:dPr>
+                          <m:ctrlPr>
+                            <a:rPr lang="en-US" sz="2000" b="0" i="1" smtClean="0">
+                              <a:solidFill>
+                                <a:schemeClr val="tx1"/>
+                              </a:solidFill>
+                              <a:latin typeface="Cambria Math" panose="02040503050406030204" pitchFamily="18" charset="0"/>
+                            </a:rPr>
+                          </m:ctrlPr>
+                        </m:dPr>
+                        <m:e>
+                          <m:r>
+                            <a:rPr lang="en-US" sz="2000" b="0" i="1" smtClean="0">
+                              <a:solidFill>
+                                <a:schemeClr val="tx1"/>
+                              </a:solidFill>
+                              <a:latin typeface="Cambria Math" panose="02040503050406030204" pitchFamily="18" charset="0"/>
+                            </a:rPr>
+                            <m:t>𝑥</m:t>
+                          </m:r>
+                        </m:e>
+                      </m:d>
+                    </m:oMath>
+                  </m:oMathPara>
+                </a14:m>
+                <a:endParaRPr lang="en-US" sz="2000" b="0" dirty="0">
+                  <a:solidFill>
+                    <a:schemeClr val="bg1"/>
+                  </a:solidFill>
+                </a:endParaRPr>
+              </a:p>
+            </p:txBody>
+          </p:sp>
+        </mc:Choice>
+        <mc:Fallback>
+          <p:sp>
+            <p:nvSpPr>
+              <p:cNvPr id="9" name="CasellaDiTesto 8">
+                <a:extLst>
+                  <a:ext uri="{FF2B5EF4-FFF2-40B4-BE49-F238E27FC236}">
+                    <a16:creationId xmlns:a16="http://schemas.microsoft.com/office/drawing/2014/main" id="{2198640E-8D19-44A9-82E7-FC93BC6803AB}"/>
+                  </a:ext>
+                </a:extLst>
+              </p:cNvPr>
+              <p:cNvSpPr txBox="1">
+                <a:spLocks noRot="1" noChangeAspect="1" noMove="1" noResize="1" noEditPoints="1" noAdjustHandles="1" noChangeArrowheads="1" noChangeShapeType="1" noTextEdit="1"/>
+              </p:cNvSpPr>
+              <p:nvPr/>
+            </p:nvSpPr>
+            <p:spPr bwMode="auto">
+              <a:xfrm>
+                <a:off x="5041260" y="1713118"/>
+                <a:ext cx="4079948" cy="817418"/>
+              </a:xfrm>
+              <a:prstGeom prst="rect">
+                <a:avLst/>
+              </a:prstGeom>
+              <a:blipFill>
+                <a:blip r:embed="rId6"/>
+                <a:stretch>
+                  <a:fillRect/>
+                </a:stretch>
+              </a:blipFill>
+              <a:ln>
+                <a:noFill/>
+              </a:ln>
+              <a:extLst>
+                <a:ext uri="{909E8E84-426E-40DD-AFC4-6F175D3DCCD1}">
+                  <a14:hiddenFill xmlns:a14="http://schemas.microsoft.com/office/drawing/2010/main">
+                    <a:solidFill>
+                      <a:srgbClr val="FFFFFF"/>
+                    </a:solidFill>
+                  </a14:hiddenFill>
+                </a:ext>
+                <a:ext uri="{91240B29-F687-4F45-9708-019B960494DF}">
+                  <a14:hiddenLine xmlns:a14="http://schemas.microsoft.com/office/drawing/2010/main" w="9525">
+                    <a:solidFill>
+                      <a:srgbClr val="000000"/>
+                    </a:solidFill>
+                    <a:miter lim="800000"/>
+                    <a:headEnd/>
+                    <a:tailEnd/>
+                  </a14:hiddenLine>
+                </a:ext>
+              </a:extLst>
+            </p:spPr>
+            <p:txBody>
+              <a:bodyPr/>
+              <a:lstStyle/>
+              <a:p>
+                <a:r>
+                  <a:rPr lang="en-US">
+                    <a:noFill/>
+                  </a:rPr>
+                  <a:t> </a:t>
+                </a:r>
+              </a:p>
+            </p:txBody>
+          </p:sp>
+        </mc:Fallback>
+      </mc:AlternateContent>
+      <mc:AlternateContent xmlns:mc="http://schemas.openxmlformats.org/markup-compatibility/2006">
+        <mc:Choice xmlns:a14="http://schemas.microsoft.com/office/drawing/2010/main" Requires="a14">
+          <p:sp>
+            <p:nvSpPr>
+              <p:cNvPr id="10" name="CasellaDiTesto 9">
+                <a:extLst>
+                  <a:ext uri="{FF2B5EF4-FFF2-40B4-BE49-F238E27FC236}">
+                    <a16:creationId xmlns:a16="http://schemas.microsoft.com/office/drawing/2014/main" id="{CE34060A-9A18-44FE-8994-9723D43671F0}"/>
+                  </a:ext>
+                </a:extLst>
+              </p:cNvPr>
+              <p:cNvSpPr txBox="1"/>
+              <p:nvPr/>
+            </p:nvSpPr>
+            <p:spPr bwMode="auto">
+              <a:xfrm>
+                <a:off x="5041259" y="2530536"/>
+                <a:ext cx="3061744" cy="817418"/>
+              </a:xfrm>
+              <a:prstGeom prst="rect">
+                <a:avLst/>
+              </a:prstGeom>
+              <a:noFill/>
+              <a:ln>
+                <a:noFill/>
+              </a:ln>
+              <a:extLst>
+                <a:ext uri="{909E8E84-426E-40DD-AFC4-6F175D3DCCD1}">
+                  <a14:hiddenFill>
+                    <a:solidFill>
+                      <a:srgbClr val="FFFFFF"/>
+                    </a:solidFill>
+                  </a14:hiddenFill>
+                </a:ext>
+                <a:ext uri="{91240B29-F687-4F45-9708-019B960494DF}">
+                  <a14:hiddenLine w="9525">
+                    <a:solidFill>
+                      <a:srgbClr val="000000"/>
+                    </a:solidFill>
+                    <a:miter lim="800000"/>
+                    <a:headEnd/>
+                    <a:tailEnd/>
+                  </a14:hiddenLine>
+                </a:ext>
+              </a:extLst>
+            </p:spPr>
+            <p:txBody>
+              <a:bodyPr wrap="none" lIns="0" tIns="0" rIns="0" bIns="0" rtlCol="0" anchor="ctr" anchorCtr="0">
+                <a:noAutofit/>
+              </a:bodyPr>
+              <a:lstStyle/>
+              <a:p>
+                <a:pPr algn="r" eaLnBrk="1" hangingPunct="1"/>
+                <a14:m>
+                  <m:oMathPara xmlns:m="http://schemas.openxmlformats.org/officeDocument/2006/math">
+                    <m:oMathParaPr>
+                      <m:jc m:val="left"/>
+                    </m:oMathParaPr>
+                    <m:oMath xmlns:m="http://schemas.openxmlformats.org/officeDocument/2006/math">
+                      <m:sSubSup>
+                        <m:sSubSupPr>
+                          <m:ctrlPr>
+                            <a:rPr lang="en-US" sz="2000" b="0" i="1" smtClean="0">
+                              <a:solidFill>
+                                <a:schemeClr val="tx1"/>
+                              </a:solidFill>
+                              <a:latin typeface="Cambria Math" panose="02040503050406030204" pitchFamily="18" charset="0"/>
+                            </a:rPr>
+                          </m:ctrlPr>
+                        </m:sSubSupPr>
+                        <m:e>
+                          <m:r>
+                            <a:rPr lang="en-US" sz="2000" b="0" i="1" smtClean="0">
+                              <a:solidFill>
+                                <a:schemeClr val="tx1"/>
+                              </a:solidFill>
+                              <a:latin typeface="Cambria Math" panose="02040503050406030204" pitchFamily="18" charset="0"/>
+                            </a:rPr>
+                            <m:t>𝜓</m:t>
+                          </m:r>
+                        </m:e>
+                        <m:sub>
+                          <m:r>
+                            <a:rPr lang="en-US" sz="2000" b="0" i="1" smtClean="0">
+                              <a:solidFill>
+                                <a:schemeClr val="tx1"/>
+                              </a:solidFill>
+                              <a:latin typeface="Cambria Math" panose="02040503050406030204" pitchFamily="18" charset="0"/>
+                            </a:rPr>
+                            <m:t>𝑘</m:t>
+                          </m:r>
+                        </m:sub>
+                        <m:sup>
+                          <m:r>
+                            <a:rPr lang="en-US" sz="2000" b="0" i="1" smtClean="0">
+                              <a:solidFill>
+                                <a:schemeClr val="tx1"/>
+                              </a:solidFill>
+                              <a:latin typeface="Cambria Math" panose="02040503050406030204" pitchFamily="18" charset="0"/>
+                            </a:rPr>
+                            <m:t>′′</m:t>
+                          </m:r>
+                        </m:sup>
+                      </m:sSubSup>
+                      <m:r>
+                        <a:rPr lang="en-US" sz="2000" b="0" i="1" smtClean="0">
+                          <a:solidFill>
+                            <a:schemeClr val="tx1"/>
+                          </a:solidFill>
+                          <a:latin typeface="Cambria Math" panose="02040503050406030204" pitchFamily="18" charset="0"/>
+                        </a:rPr>
+                        <m:t>=</m:t>
+                      </m:r>
+                      <m:f>
+                        <m:fPr>
+                          <m:ctrlPr>
+                            <a:rPr lang="en-US" sz="2000" b="0" i="1" smtClean="0">
+                              <a:solidFill>
+                                <a:schemeClr val="tx1"/>
+                              </a:solidFill>
+                              <a:latin typeface="Cambria Math" panose="02040503050406030204" pitchFamily="18" charset="0"/>
+                            </a:rPr>
+                          </m:ctrlPr>
+                        </m:fPr>
+                        <m:num>
+                          <m:sSub>
+                            <m:sSubPr>
+                              <m:ctrlPr>
+                                <a:rPr lang="en-US" sz="2000" b="0" i="1">
+                                  <a:latin typeface="Cambria Math" panose="02040503050406030204" pitchFamily="18" charset="0"/>
+                                </a:rPr>
+                              </m:ctrlPr>
+                            </m:sSubPr>
+                            <m:e>
+                              <m:r>
+                                <a:rPr lang="en-US" sz="2000" b="0" i="1">
+                                  <a:latin typeface="Cambria Math" panose="02040503050406030204" pitchFamily="18" charset="0"/>
+                                </a:rPr>
+                                <m:t>𝜓</m:t>
+                              </m:r>
+                            </m:e>
+                            <m:sub>
+                              <m:r>
+                                <a:rPr lang="en-US" sz="2000" b="0" i="1">
+                                  <a:latin typeface="Cambria Math" panose="02040503050406030204" pitchFamily="18" charset="0"/>
+                                </a:rPr>
+                                <m:t>𝑘</m:t>
+                              </m:r>
+                              <m:r>
+                                <a:rPr lang="en-US" sz="2000" b="0" i="1">
+                                  <a:latin typeface="Cambria Math" panose="02040503050406030204" pitchFamily="18" charset="0"/>
+                                </a:rPr>
+                                <m:t>+1</m:t>
+                              </m:r>
+                            </m:sub>
+                          </m:sSub>
+                          <m:r>
+                            <a:rPr lang="en-US" sz="2000" b="0" i="1">
+                              <a:latin typeface="Cambria Math" panose="02040503050406030204" pitchFamily="18" charset="0"/>
+                            </a:rPr>
+                            <m:t>−2</m:t>
+                          </m:r>
+                          <m:sSub>
+                            <m:sSubPr>
+                              <m:ctrlPr>
+                                <a:rPr lang="en-US" sz="2000" b="0" i="1">
+                                  <a:latin typeface="Cambria Math" panose="02040503050406030204" pitchFamily="18" charset="0"/>
+                                </a:rPr>
+                              </m:ctrlPr>
+                            </m:sSubPr>
+                            <m:e>
+                              <m:r>
+                                <a:rPr lang="en-US" sz="2000" b="0" i="1">
+                                  <a:latin typeface="Cambria Math" panose="02040503050406030204" pitchFamily="18" charset="0"/>
+                                </a:rPr>
+                                <m:t>𝜓</m:t>
+                              </m:r>
+                            </m:e>
+                            <m:sub>
+                              <m:r>
+                                <a:rPr lang="en-US" sz="2000" b="0" i="1">
+                                  <a:latin typeface="Cambria Math" panose="02040503050406030204" pitchFamily="18" charset="0"/>
+                                </a:rPr>
+                                <m:t>𝑘</m:t>
+                              </m:r>
+                            </m:sub>
+                          </m:sSub>
+                          <m:r>
+                            <a:rPr lang="en-US" sz="2000" b="0" i="1">
+                              <a:latin typeface="Cambria Math" panose="02040503050406030204" pitchFamily="18" charset="0"/>
+                            </a:rPr>
+                            <m:t>+</m:t>
+                          </m:r>
+                          <m:sSub>
+                            <m:sSubPr>
+                              <m:ctrlPr>
+                                <a:rPr lang="en-US" sz="2000" b="0" i="1" smtClean="0">
+                                  <a:latin typeface="Cambria Math" panose="02040503050406030204" pitchFamily="18" charset="0"/>
+                                </a:rPr>
+                              </m:ctrlPr>
+                            </m:sSubPr>
+                            <m:e>
+                              <m:r>
+                                <a:rPr lang="en-US" sz="2000" b="0" i="1" smtClean="0">
+                                  <a:latin typeface="Cambria Math" panose="02040503050406030204" pitchFamily="18" charset="0"/>
+                                </a:rPr>
+                                <m:t>𝜓</m:t>
+                              </m:r>
+                            </m:e>
+                            <m:sub>
+                              <m:r>
+                                <a:rPr lang="en-US" sz="2000" b="0" i="1" smtClean="0">
+                                  <a:latin typeface="Cambria Math" panose="02040503050406030204" pitchFamily="18" charset="0"/>
+                                </a:rPr>
+                                <m:t>𝑘</m:t>
+                              </m:r>
+                              <m:r>
+                                <a:rPr lang="en-US" sz="2000" b="0" i="1" smtClean="0">
+                                  <a:latin typeface="Cambria Math" panose="02040503050406030204" pitchFamily="18" charset="0"/>
+                                </a:rPr>
+                                <m:t>−1</m:t>
+                              </m:r>
+                            </m:sub>
+                          </m:sSub>
+                        </m:num>
+                        <m:den>
+                          <m:r>
+                            <a:rPr lang="en-US" sz="2000" b="0" i="1" smtClean="0">
+                              <a:solidFill>
+                                <a:schemeClr val="tx1"/>
+                              </a:solidFill>
+                              <a:latin typeface="Cambria Math" panose="02040503050406030204" pitchFamily="18" charset="0"/>
+                            </a:rPr>
+                            <m:t>𝑑</m:t>
+                          </m:r>
+                          <m:sSup>
+                            <m:sSupPr>
+                              <m:ctrlPr>
+                                <a:rPr lang="en-US" sz="2000" b="0" i="1" smtClean="0">
+                                  <a:solidFill>
+                                    <a:schemeClr val="tx1"/>
+                                  </a:solidFill>
+                                  <a:latin typeface="Cambria Math" panose="02040503050406030204" pitchFamily="18" charset="0"/>
+                                </a:rPr>
+                              </m:ctrlPr>
+                            </m:sSupPr>
+                            <m:e>
+                              <m:r>
+                                <a:rPr lang="en-US" sz="2000" b="0" i="1" smtClean="0">
+                                  <a:solidFill>
+                                    <a:schemeClr val="tx1"/>
+                                  </a:solidFill>
+                                  <a:latin typeface="Cambria Math" panose="02040503050406030204" pitchFamily="18" charset="0"/>
+                                </a:rPr>
+                                <m:t>𝑥</m:t>
+                              </m:r>
+                            </m:e>
+                            <m:sup>
+                              <m:r>
+                                <a:rPr lang="en-US" sz="2000" b="0" i="1" smtClean="0">
+                                  <a:solidFill>
+                                    <a:schemeClr val="tx1"/>
+                                  </a:solidFill>
+                                  <a:latin typeface="Cambria Math" panose="02040503050406030204" pitchFamily="18" charset="0"/>
+                                </a:rPr>
+                                <m:t>2</m:t>
+                              </m:r>
+                            </m:sup>
+                          </m:sSup>
+                        </m:den>
+                      </m:f>
+                    </m:oMath>
+                  </m:oMathPara>
+                </a14:m>
+                <a:endParaRPr lang="en-US" sz="2000" b="0" dirty="0">
+                  <a:solidFill>
+                    <a:schemeClr val="tx1"/>
+                  </a:solidFill>
+                </a:endParaRPr>
+              </a:p>
+            </p:txBody>
+          </p:sp>
+        </mc:Choice>
+        <mc:Fallback>
+          <p:sp>
+            <p:nvSpPr>
+              <p:cNvPr id="10" name="CasellaDiTesto 9">
+                <a:extLst>
+                  <a:ext uri="{FF2B5EF4-FFF2-40B4-BE49-F238E27FC236}">
+                    <a16:creationId xmlns:a16="http://schemas.microsoft.com/office/drawing/2014/main" id="{CE34060A-9A18-44FE-8994-9723D43671F0}"/>
+                  </a:ext>
+                </a:extLst>
+              </p:cNvPr>
+              <p:cNvSpPr txBox="1">
+                <a:spLocks noRot="1" noChangeAspect="1" noMove="1" noResize="1" noEditPoints="1" noAdjustHandles="1" noChangeArrowheads="1" noChangeShapeType="1" noTextEdit="1"/>
+              </p:cNvSpPr>
+              <p:nvPr/>
+            </p:nvSpPr>
+            <p:spPr bwMode="auto">
+              <a:xfrm>
+                <a:off x="5041259" y="2530536"/>
+                <a:ext cx="3061744" cy="817418"/>
+              </a:xfrm>
+              <a:prstGeom prst="rect">
+                <a:avLst/>
+              </a:prstGeom>
+              <a:blipFill>
+                <a:blip r:embed="rId7"/>
+                <a:stretch>
+                  <a:fillRect/>
+                </a:stretch>
+              </a:blipFill>
+              <a:ln>
+                <a:noFill/>
+              </a:ln>
+              <a:extLst>
+                <a:ext uri="{909E8E84-426E-40DD-AFC4-6F175D3DCCD1}">
+                  <a14:hiddenFill xmlns:a14="http://schemas.microsoft.com/office/drawing/2010/main">
+                    <a:solidFill>
+                      <a:srgbClr val="FFFFFF"/>
+                    </a:solidFill>
+                  </a14:hiddenFill>
+                </a:ext>
+                <a:ext uri="{91240B29-F687-4F45-9708-019B960494DF}">
+                  <a14:hiddenLine xmlns:a14="http://schemas.microsoft.com/office/drawing/2010/main" w="9525">
+                    <a:solidFill>
+                      <a:srgbClr val="000000"/>
+                    </a:solidFill>
+                    <a:miter lim="800000"/>
+                    <a:headEnd/>
+                    <a:tailEnd/>
+                  </a14:hiddenLine>
+                </a:ext>
+              </a:extLst>
+            </p:spPr>
+            <p:txBody>
+              <a:bodyPr/>
+              <a:lstStyle/>
+              <a:p>
+                <a:r>
+                  <a:rPr lang="en-US">
+                    <a:noFill/>
+                  </a:rPr>
+                  <a:t> </a:t>
+                </a:r>
+              </a:p>
+            </p:txBody>
+          </p:sp>
+        </mc:Fallback>
+      </mc:AlternateContent>
+      <p:sp>
+        <p:nvSpPr>
+          <p:cNvPr id="14" name="Parentesi graffa aperta 13">
+            <a:extLst>
+              <a:ext uri="{FF2B5EF4-FFF2-40B4-BE49-F238E27FC236}">
+                <a16:creationId xmlns:a16="http://schemas.microsoft.com/office/drawing/2014/main" id="{C63A930D-D6A3-44FA-9918-FDECD24582DE}"/>
+              </a:ext>
+            </a:extLst>
+          </p:cNvPr>
+          <p:cNvSpPr/>
+          <p:nvPr/>
+        </p:nvSpPr>
+        <p:spPr bwMode="auto">
+          <a:xfrm>
+            <a:off x="4853071" y="1793475"/>
+            <a:ext cx="145023" cy="1408407"/>
+          </a:xfrm>
+          <a:prstGeom prst="leftBrace">
+            <a:avLst/>
+          </a:prstGeom>
+          <a:noFill/>
+          <a:ln w="25400" cap="flat" cmpd="sng" algn="ctr">
+            <a:solidFill>
+              <a:schemeClr val="tx1"/>
+            </a:solidFill>
+            <a:prstDash val="solid"/>
+            <a:round/>
+            <a:headEnd type="none" w="med" len="med"/>
+            <a:tailEnd type="none" w="med" len="med"/>
+          </a:ln>
+          <a:effectLst/>
+        </p:spPr>
+        <p:txBody>
+          <a:bodyPr vert="horz" wrap="square" lIns="91440" tIns="45720" rIns="91440" bIns="45720" numCol="1" rtlCol="0" anchor="t" anchorCtr="0" compatLnSpc="1">
+            <a:prstTxWarp prst="textNoShape">
+              <a:avLst/>
+            </a:prstTxWarp>
+          </a:bodyPr>
+          <a:lstStyle/>
+          <a:p>
+            <a:pPr marL="0" marR="0" indent="0" algn="l" defTabSz="914400" rtl="0" eaLnBrk="1" fontAlgn="base" latinLnBrk="0" hangingPunct="1">
+              <a:lnSpc>
+                <a:spcPct val="100000"/>
+              </a:lnSpc>
+              <a:spcBef>
+                <a:spcPct val="0"/>
+              </a:spcBef>
+              <a:spcAft>
+                <a:spcPct val="0"/>
+              </a:spcAft>
+              <a:buClrTx/>
+              <a:buSzTx/>
+              <a:buFontTx/>
+              <a:buNone/>
+              <a:tabLst/>
+            </a:pPr>
+            <a:endParaRPr kumimoji="0" lang="en-US" sz="1800" b="1" i="0" u="none" strike="noStrike" cap="none" normalizeH="0" baseline="0">
+              <a:ln>
+                <a:noFill/>
+              </a:ln>
+              <a:solidFill>
+                <a:schemeClr val="tx1"/>
+              </a:solidFill>
+              <a:effectLst/>
+              <a:latin typeface="Arial" charset="0"/>
+            </a:endParaRPr>
+          </a:p>
+        </p:txBody>
+      </p:sp>
+      <mc:AlternateContent xmlns:mc="http://schemas.openxmlformats.org/markup-compatibility/2006">
+        <mc:Choice xmlns:a14="http://schemas.microsoft.com/office/drawing/2010/main" Requires="a14">
+          <p:sp>
+            <p:nvSpPr>
+              <p:cNvPr id="11" name="CasellaDiTesto 10">
+                <a:extLst>
+                  <a:ext uri="{FF2B5EF4-FFF2-40B4-BE49-F238E27FC236}">
+                    <a16:creationId xmlns:a16="http://schemas.microsoft.com/office/drawing/2014/main" id="{0825AF67-20A2-46C7-A1B4-870B1EA8062F}"/>
+                  </a:ext>
+                </a:extLst>
+              </p:cNvPr>
+              <p:cNvSpPr txBox="1"/>
+              <p:nvPr/>
+            </p:nvSpPr>
+            <p:spPr bwMode="auto">
+              <a:xfrm>
+                <a:off x="1941334" y="3510696"/>
+                <a:ext cx="5261332" cy="914400"/>
+              </a:xfrm>
+              <a:prstGeom prst="rect">
+                <a:avLst/>
+              </a:prstGeom>
+              <a:noFill/>
+              <a:ln>
+                <a:noFill/>
+              </a:ln>
+              <a:extLst>
+                <a:ext uri="{909E8E84-426E-40DD-AFC4-6F175D3DCCD1}">
+                  <a14:hiddenFill>
+                    <a:solidFill>
+                      <a:srgbClr val="FFFFFF"/>
+                    </a:solidFill>
+                  </a14:hiddenFill>
+                </a:ext>
+                <a:ext uri="{91240B29-F687-4F45-9708-019B960494DF}">
+                  <a14:hiddenLine w="9525">
+                    <a:solidFill>
+                      <a:srgbClr val="000000"/>
+                    </a:solidFill>
+                    <a:miter lim="800000"/>
+                    <a:headEnd/>
+                    <a:tailEnd/>
+                  </a14:hiddenLine>
+                </a:ext>
+              </a:extLst>
+            </p:spPr>
+            <p:txBody>
+              <a:bodyPr wrap="none" lIns="0" tIns="0" rIns="0" bIns="0" rtlCol="0" anchor="ctr" anchorCtr="0">
+                <a:noAutofit/>
+              </a:bodyPr>
+              <a:lstStyle/>
+              <a:p>
+                <a:pPr algn="r" eaLnBrk="1" hangingPunct="1"/>
+                <a14:m>
+                  <m:oMathPara xmlns:m="http://schemas.openxmlformats.org/officeDocument/2006/math">
+                    <m:oMathParaPr>
+                      <m:jc m:val="left"/>
+                    </m:oMathParaPr>
+                    <m:oMath xmlns:m="http://schemas.openxmlformats.org/officeDocument/2006/math">
+                      <m:r>
+                        <a:rPr lang="en-US" sz="2000" b="0" i="1" smtClean="0">
+                          <a:solidFill>
+                            <a:schemeClr val="tx1"/>
+                          </a:solidFill>
+                          <a:latin typeface="Cambria Math" panose="02040503050406030204" pitchFamily="18" charset="0"/>
+                        </a:rPr>
+                        <m:t>−</m:t>
+                      </m:r>
+                      <m:f>
+                        <m:fPr>
+                          <m:ctrlPr>
+                            <a:rPr lang="en-US" sz="2000" b="0" i="1" smtClean="0">
+                              <a:solidFill>
+                                <a:schemeClr val="tx1"/>
+                              </a:solidFill>
+                              <a:latin typeface="Cambria Math" panose="02040503050406030204" pitchFamily="18" charset="0"/>
+                            </a:rPr>
+                          </m:ctrlPr>
+                        </m:fPr>
+                        <m:num>
+                          <m:r>
+                            <a:rPr lang="en-US" sz="2000" b="0" i="1" smtClean="0">
+                              <a:solidFill>
+                                <a:schemeClr val="tx1"/>
+                              </a:solidFill>
+                              <a:latin typeface="Cambria Math" panose="02040503050406030204" pitchFamily="18" charset="0"/>
+                            </a:rPr>
+                            <m:t>1</m:t>
+                          </m:r>
+                        </m:num>
+                        <m:den>
+                          <m:r>
+                            <a:rPr lang="en-US" sz="2000" b="0" i="1" smtClean="0">
+                              <a:solidFill>
+                                <a:schemeClr val="tx1"/>
+                              </a:solidFill>
+                              <a:latin typeface="Cambria Math" panose="02040503050406030204" pitchFamily="18" charset="0"/>
+                            </a:rPr>
+                            <m:t>2</m:t>
+                          </m:r>
+                        </m:den>
+                      </m:f>
+                      <m:d>
+                        <m:dPr>
+                          <m:begChr m:val="["/>
+                          <m:endChr m:val="]"/>
+                          <m:ctrlPr>
+                            <a:rPr lang="en-US" sz="2000" b="0" i="1" smtClean="0">
+                              <a:solidFill>
+                                <a:schemeClr val="tx1"/>
+                              </a:solidFill>
+                              <a:latin typeface="Cambria Math" panose="02040503050406030204" pitchFamily="18" charset="0"/>
+                            </a:rPr>
+                          </m:ctrlPr>
+                        </m:dPr>
+                        <m:e>
+                          <m:f>
+                            <m:fPr>
+                              <m:ctrlPr>
+                                <a:rPr lang="en-US" sz="2000" b="0" i="1" smtClean="0">
+                                  <a:solidFill>
+                                    <a:schemeClr val="tx1"/>
+                                  </a:solidFill>
+                                  <a:latin typeface="Cambria Math" panose="02040503050406030204" pitchFamily="18" charset="0"/>
+                                </a:rPr>
+                              </m:ctrlPr>
+                            </m:fPr>
+                            <m:num>
+                              <m:sSub>
+                                <m:sSubPr>
+                                  <m:ctrlPr>
+                                    <a:rPr lang="en-US" sz="2000" b="0" i="1">
+                                      <a:latin typeface="Cambria Math" panose="02040503050406030204" pitchFamily="18" charset="0"/>
+                                    </a:rPr>
+                                  </m:ctrlPr>
+                                </m:sSubPr>
+                                <m:e>
+                                  <m:r>
+                                    <a:rPr lang="en-US" sz="2000" b="0" i="1">
+                                      <a:latin typeface="Cambria Math" panose="02040503050406030204" pitchFamily="18" charset="0"/>
+                                    </a:rPr>
+                                    <m:t>𝜓</m:t>
+                                  </m:r>
+                                </m:e>
+                                <m:sub>
+                                  <m:r>
+                                    <a:rPr lang="en-US" sz="2000" b="0" i="1">
+                                      <a:latin typeface="Cambria Math" panose="02040503050406030204" pitchFamily="18" charset="0"/>
+                                    </a:rPr>
+                                    <m:t>𝑘</m:t>
+                                  </m:r>
+                                  <m:r>
+                                    <a:rPr lang="en-US" sz="2000" b="0" i="1">
+                                      <a:latin typeface="Cambria Math" panose="02040503050406030204" pitchFamily="18" charset="0"/>
+                                    </a:rPr>
+                                    <m:t>+1</m:t>
+                                  </m:r>
+                                </m:sub>
+                              </m:sSub>
+                              <m:r>
+                                <a:rPr lang="en-US" sz="2000" b="0" i="1">
+                                  <a:latin typeface="Cambria Math" panose="02040503050406030204" pitchFamily="18" charset="0"/>
+                                </a:rPr>
+                                <m:t>−2</m:t>
+                              </m:r>
+                              <m:sSub>
+                                <m:sSubPr>
+                                  <m:ctrlPr>
+                                    <a:rPr lang="en-US" sz="2000" b="0" i="1">
+                                      <a:latin typeface="Cambria Math" panose="02040503050406030204" pitchFamily="18" charset="0"/>
+                                    </a:rPr>
+                                  </m:ctrlPr>
+                                </m:sSubPr>
+                                <m:e>
+                                  <m:r>
+                                    <a:rPr lang="en-US" sz="2000" b="0" i="1">
+                                      <a:latin typeface="Cambria Math" panose="02040503050406030204" pitchFamily="18" charset="0"/>
+                                    </a:rPr>
+                                    <m:t>𝜓</m:t>
+                                  </m:r>
+                                </m:e>
+                                <m:sub>
+                                  <m:r>
+                                    <a:rPr lang="en-US" sz="2000" b="0" i="1">
+                                      <a:latin typeface="Cambria Math" panose="02040503050406030204" pitchFamily="18" charset="0"/>
+                                    </a:rPr>
+                                    <m:t>𝑘</m:t>
+                                  </m:r>
+                                </m:sub>
+                              </m:sSub>
+                              <m:r>
+                                <a:rPr lang="en-US" sz="2000" b="0" i="1">
+                                  <a:latin typeface="Cambria Math" panose="02040503050406030204" pitchFamily="18" charset="0"/>
+                                </a:rPr>
+                                <m:t>+</m:t>
+                              </m:r>
+                              <m:sSub>
+                                <m:sSubPr>
+                                  <m:ctrlPr>
+                                    <a:rPr lang="en-US" sz="2000" b="0" i="1">
+                                      <a:latin typeface="Cambria Math" panose="02040503050406030204" pitchFamily="18" charset="0"/>
+                                    </a:rPr>
+                                  </m:ctrlPr>
+                                </m:sSubPr>
+                                <m:e>
+                                  <m:r>
+                                    <a:rPr lang="en-US" sz="2000" b="0" i="1">
+                                      <a:latin typeface="Cambria Math" panose="02040503050406030204" pitchFamily="18" charset="0"/>
+                                    </a:rPr>
+                                    <m:t>𝜓</m:t>
+                                  </m:r>
+                                </m:e>
+                                <m:sub>
+                                  <m:r>
+                                    <a:rPr lang="en-US" sz="2000" b="0" i="1">
+                                      <a:latin typeface="Cambria Math" panose="02040503050406030204" pitchFamily="18" charset="0"/>
+                                    </a:rPr>
+                                    <m:t>𝑘</m:t>
+                                  </m:r>
+                                  <m:r>
+                                    <a:rPr lang="en-US" sz="2000" b="0" i="1">
+                                      <a:latin typeface="Cambria Math" panose="02040503050406030204" pitchFamily="18" charset="0"/>
+                                    </a:rPr>
+                                    <m:t>−1</m:t>
+                                  </m:r>
+                                </m:sub>
+                              </m:sSub>
+                            </m:num>
+                            <m:den>
+                              <m:r>
+                                <a:rPr lang="en-US" sz="2000" b="0" i="1" smtClean="0">
+                                  <a:solidFill>
+                                    <a:schemeClr val="tx1"/>
+                                  </a:solidFill>
+                                  <a:latin typeface="Cambria Math" panose="02040503050406030204" pitchFamily="18" charset="0"/>
+                                </a:rPr>
+                                <m:t>𝑑</m:t>
+                              </m:r>
+                              <m:sSup>
+                                <m:sSupPr>
+                                  <m:ctrlPr>
+                                    <a:rPr lang="en-US" sz="2000" b="0" i="1" smtClean="0">
+                                      <a:solidFill>
+                                        <a:schemeClr val="tx1"/>
+                                      </a:solidFill>
+                                      <a:latin typeface="Cambria Math" panose="02040503050406030204" pitchFamily="18" charset="0"/>
+                                    </a:rPr>
+                                  </m:ctrlPr>
+                                </m:sSupPr>
+                                <m:e>
+                                  <m:r>
+                                    <a:rPr lang="en-US" sz="2000" b="0" i="1" smtClean="0">
+                                      <a:solidFill>
+                                        <a:schemeClr val="tx1"/>
+                                      </a:solidFill>
+                                      <a:latin typeface="Cambria Math" panose="02040503050406030204" pitchFamily="18" charset="0"/>
+                                    </a:rPr>
+                                    <m:t>𝑥</m:t>
+                                  </m:r>
+                                </m:e>
+                                <m:sup>
+                                  <m:r>
+                                    <a:rPr lang="en-US" sz="2000" b="0" i="1" smtClean="0">
+                                      <a:solidFill>
+                                        <a:schemeClr val="tx1"/>
+                                      </a:solidFill>
+                                      <a:latin typeface="Cambria Math" panose="02040503050406030204" pitchFamily="18" charset="0"/>
+                                    </a:rPr>
+                                    <m:t>2</m:t>
+                                  </m:r>
+                                </m:sup>
+                              </m:sSup>
+                            </m:den>
+                          </m:f>
+                        </m:e>
+                      </m:d>
+                      <m:r>
+                        <a:rPr lang="en-US" sz="2000" b="0" i="1" smtClean="0">
+                          <a:solidFill>
+                            <a:schemeClr val="tx1"/>
+                          </a:solidFill>
+                          <a:latin typeface="Cambria Math" panose="02040503050406030204" pitchFamily="18" charset="0"/>
+                        </a:rPr>
+                        <m:t>+</m:t>
+                      </m:r>
+                      <m:f>
+                        <m:fPr>
+                          <m:ctrlPr>
+                            <a:rPr lang="en-US" sz="2000" b="0" i="1" smtClean="0">
+                              <a:solidFill>
+                                <a:schemeClr val="tx1"/>
+                              </a:solidFill>
+                              <a:latin typeface="Cambria Math" panose="02040503050406030204" pitchFamily="18" charset="0"/>
+                            </a:rPr>
+                          </m:ctrlPr>
+                        </m:fPr>
+                        <m:num>
+                          <m:r>
+                            <a:rPr lang="en-US" sz="2000" b="0" i="1" smtClean="0">
+                              <a:solidFill>
+                                <a:schemeClr val="tx1"/>
+                              </a:solidFill>
+                              <a:latin typeface="Cambria Math" panose="02040503050406030204" pitchFamily="18" charset="0"/>
+                            </a:rPr>
+                            <m:t>1</m:t>
+                          </m:r>
+                        </m:num>
+                        <m:den>
+                          <m:r>
+                            <a:rPr lang="en-US" sz="2000" b="0" i="1" smtClean="0">
+                              <a:solidFill>
+                                <a:schemeClr val="tx1"/>
+                              </a:solidFill>
+                              <a:latin typeface="Cambria Math" panose="02040503050406030204" pitchFamily="18" charset="0"/>
+                            </a:rPr>
+                            <m:t>2</m:t>
+                          </m:r>
+                        </m:den>
+                      </m:f>
+                      <m:sSup>
+                        <m:sSupPr>
+                          <m:ctrlPr>
+                            <a:rPr lang="en-US" sz="2000" b="0" i="1" smtClean="0">
+                              <a:solidFill>
+                                <a:schemeClr val="tx1"/>
+                              </a:solidFill>
+                              <a:latin typeface="Cambria Math" panose="02040503050406030204" pitchFamily="18" charset="0"/>
+                            </a:rPr>
+                          </m:ctrlPr>
+                        </m:sSupPr>
+                        <m:e>
+                          <m:r>
+                            <a:rPr lang="en-US" sz="2000" b="0" i="1" smtClean="0">
+                              <a:solidFill>
+                                <a:schemeClr val="tx1"/>
+                              </a:solidFill>
+                              <a:latin typeface="Cambria Math" panose="02040503050406030204" pitchFamily="18" charset="0"/>
+                            </a:rPr>
+                            <m:t>𝜔</m:t>
+                          </m:r>
+                        </m:e>
+                        <m:sup>
+                          <m:r>
+                            <a:rPr lang="en-US" sz="2000" b="0" i="1" smtClean="0">
+                              <a:solidFill>
+                                <a:schemeClr val="tx1"/>
+                              </a:solidFill>
+                              <a:latin typeface="Cambria Math" panose="02040503050406030204" pitchFamily="18" charset="0"/>
+                            </a:rPr>
+                            <m:t>2</m:t>
+                          </m:r>
+                        </m:sup>
+                      </m:sSup>
+                      <m:sSub>
+                        <m:sSubPr>
+                          <m:ctrlPr>
+                            <a:rPr lang="en-US" sz="2000" b="0" i="1" smtClean="0">
+                              <a:solidFill>
+                                <a:schemeClr val="tx1"/>
+                              </a:solidFill>
+                              <a:latin typeface="Cambria Math" panose="02040503050406030204" pitchFamily="18" charset="0"/>
+                            </a:rPr>
+                          </m:ctrlPr>
+                        </m:sSubPr>
+                        <m:e>
+                          <m:r>
+                            <a:rPr lang="en-US" sz="2000" b="0" i="1" smtClean="0">
+                              <a:solidFill>
+                                <a:schemeClr val="tx1"/>
+                              </a:solidFill>
+                              <a:latin typeface="Cambria Math" panose="02040503050406030204" pitchFamily="18" charset="0"/>
+                            </a:rPr>
+                            <m:t>𝑥</m:t>
+                          </m:r>
+                        </m:e>
+                        <m:sub>
+                          <m:r>
+                            <a:rPr lang="en-US" sz="2000" b="0" i="1" smtClean="0">
+                              <a:solidFill>
+                                <a:schemeClr val="tx1"/>
+                              </a:solidFill>
+                              <a:latin typeface="Cambria Math" panose="02040503050406030204" pitchFamily="18" charset="0"/>
+                            </a:rPr>
+                            <m:t>𝑘</m:t>
+                          </m:r>
+                        </m:sub>
+                      </m:sSub>
+                      <m:sSub>
+                        <m:sSubPr>
+                          <m:ctrlPr>
+                            <a:rPr lang="en-US" sz="2000" b="0" i="1" smtClean="0">
+                              <a:solidFill>
+                                <a:schemeClr val="tx1"/>
+                              </a:solidFill>
+                              <a:latin typeface="Cambria Math" panose="02040503050406030204" pitchFamily="18" charset="0"/>
+                            </a:rPr>
+                          </m:ctrlPr>
+                        </m:sSubPr>
+                        <m:e>
+                          <m:r>
+                            <a:rPr lang="en-US" sz="2000" b="0" i="1" smtClean="0">
+                              <a:solidFill>
+                                <a:schemeClr val="tx1"/>
+                              </a:solidFill>
+                              <a:latin typeface="Cambria Math" panose="02040503050406030204" pitchFamily="18" charset="0"/>
+                            </a:rPr>
+                            <m:t>𝜓</m:t>
+                          </m:r>
+                        </m:e>
+                        <m:sub>
+                          <m:r>
+                            <a:rPr lang="en-US" sz="2000" b="0" i="1" smtClean="0">
+                              <a:solidFill>
+                                <a:schemeClr val="tx1"/>
+                              </a:solidFill>
+                              <a:latin typeface="Cambria Math" panose="02040503050406030204" pitchFamily="18" charset="0"/>
+                            </a:rPr>
+                            <m:t>𝑘</m:t>
+                          </m:r>
+                        </m:sub>
+                      </m:sSub>
+                      <m:r>
+                        <a:rPr lang="en-US" sz="2000" b="0" i="1" smtClean="0">
+                          <a:solidFill>
+                            <a:schemeClr val="tx1"/>
+                          </a:solidFill>
+                          <a:latin typeface="Cambria Math" panose="02040503050406030204" pitchFamily="18" charset="0"/>
+                        </a:rPr>
+                        <m:t>=</m:t>
+                      </m:r>
+                      <m:r>
+                        <a:rPr lang="en-US" sz="2000" b="0" i="1" smtClean="0">
+                          <a:solidFill>
+                            <a:schemeClr val="tx1"/>
+                          </a:solidFill>
+                          <a:latin typeface="Cambria Math" panose="02040503050406030204" pitchFamily="18" charset="0"/>
+                        </a:rPr>
+                        <m:t>𝐸</m:t>
+                      </m:r>
+                      <m:sSub>
+                        <m:sSubPr>
+                          <m:ctrlPr>
+                            <a:rPr lang="en-US" sz="2000" b="0" i="1" smtClean="0">
+                              <a:solidFill>
+                                <a:schemeClr val="tx1"/>
+                              </a:solidFill>
+                              <a:latin typeface="Cambria Math" panose="02040503050406030204" pitchFamily="18" charset="0"/>
+                            </a:rPr>
+                          </m:ctrlPr>
+                        </m:sSubPr>
+                        <m:e>
+                          <m:r>
+                            <a:rPr lang="en-US" sz="2000" b="0" i="1" smtClean="0">
+                              <a:solidFill>
+                                <a:schemeClr val="tx1"/>
+                              </a:solidFill>
+                              <a:latin typeface="Cambria Math" panose="02040503050406030204" pitchFamily="18" charset="0"/>
+                            </a:rPr>
+                            <m:t>𝜓</m:t>
+                          </m:r>
+                        </m:e>
+                        <m:sub>
+                          <m:r>
+                            <a:rPr lang="en-US" sz="2000" b="0" i="1" smtClean="0">
+                              <a:solidFill>
+                                <a:schemeClr val="tx1"/>
+                              </a:solidFill>
+                              <a:latin typeface="Cambria Math" panose="02040503050406030204" pitchFamily="18" charset="0"/>
+                            </a:rPr>
+                            <m:t>𝑘</m:t>
+                          </m:r>
+                        </m:sub>
+                      </m:sSub>
+                    </m:oMath>
+                  </m:oMathPara>
+                </a14:m>
+                <a:endParaRPr lang="en-US" sz="2000" b="0" dirty="0">
+                  <a:solidFill>
+                    <a:schemeClr val="bg1"/>
+                  </a:solidFill>
+                </a:endParaRPr>
+              </a:p>
+            </p:txBody>
+          </p:sp>
+        </mc:Choice>
+        <mc:Fallback>
+          <p:sp>
+            <p:nvSpPr>
+              <p:cNvPr id="11" name="CasellaDiTesto 10">
+                <a:extLst>
+                  <a:ext uri="{FF2B5EF4-FFF2-40B4-BE49-F238E27FC236}">
+                    <a16:creationId xmlns:a16="http://schemas.microsoft.com/office/drawing/2014/main" id="{0825AF67-20A2-46C7-A1B4-870B1EA8062F}"/>
+                  </a:ext>
+                </a:extLst>
+              </p:cNvPr>
+              <p:cNvSpPr txBox="1">
+                <a:spLocks noRot="1" noChangeAspect="1" noMove="1" noResize="1" noEditPoints="1" noAdjustHandles="1" noChangeArrowheads="1" noChangeShapeType="1" noTextEdit="1"/>
+              </p:cNvSpPr>
+              <p:nvPr/>
+            </p:nvSpPr>
+            <p:spPr bwMode="auto">
+              <a:xfrm>
+                <a:off x="1941334" y="3510696"/>
+                <a:ext cx="5261332" cy="914400"/>
+              </a:xfrm>
+              <a:prstGeom prst="rect">
+                <a:avLst/>
+              </a:prstGeom>
+              <a:blipFill>
+                <a:blip r:embed="rId8"/>
+                <a:stretch>
+                  <a:fillRect/>
+                </a:stretch>
+              </a:blipFill>
+              <a:ln>
+                <a:noFill/>
+              </a:ln>
+              <a:extLst>
+                <a:ext uri="{909E8E84-426E-40DD-AFC4-6F175D3DCCD1}">
+                  <a14:hiddenFill xmlns:a14="http://schemas.microsoft.com/office/drawing/2010/main">
+                    <a:solidFill>
+                      <a:srgbClr val="FFFFFF"/>
+                    </a:solidFill>
+                  </a14:hiddenFill>
+                </a:ext>
+                <a:ext uri="{91240B29-F687-4F45-9708-019B960494DF}">
+                  <a14:hiddenLine xmlns:a14="http://schemas.microsoft.com/office/drawing/2010/main" w="9525">
+                    <a:solidFill>
+                      <a:srgbClr val="000000"/>
+                    </a:solidFill>
+                    <a:miter lim="800000"/>
+                    <a:headEnd/>
+                    <a:tailEnd/>
+                  </a14:hiddenLine>
+                </a:ext>
+              </a:extLst>
+            </p:spPr>
+            <p:txBody>
+              <a:bodyPr/>
+              <a:lstStyle/>
+              <a:p>
+                <a:r>
+                  <a:rPr lang="en-US">
+                    <a:noFill/>
+                  </a:rPr>
+                  <a:t> </a:t>
+                </a:r>
+              </a:p>
+            </p:txBody>
+          </p:sp>
+        </mc:Fallback>
+      </mc:AlternateContent>
+      <p:pic>
+        <p:nvPicPr>
+          <p:cNvPr id="13" name="Elemento grafico 12">
+            <a:extLst>
+              <a:ext uri="{FF2B5EF4-FFF2-40B4-BE49-F238E27FC236}">
+                <a16:creationId xmlns:a16="http://schemas.microsoft.com/office/drawing/2014/main" id="{D5E800B5-D6CD-4F55-85C6-8A6BF7112A5B}"/>
+              </a:ext>
+            </a:extLst>
+          </p:cNvPr>
+          <p:cNvPicPr>
+            <a:picLocks noChangeAspect="1"/>
+          </p:cNvPicPr>
+          <p:nvPr/>
+        </p:nvPicPr>
+        <p:blipFill>
+          <a:blip r:embed="rId9">
+            <a:extLst>
+              <a:ext uri="{28A0092B-C50C-407E-A947-70E740481C1C}">
+                <a14:useLocalDpi xmlns:a14="http://schemas.microsoft.com/office/drawing/2010/main" val="0"/>
+              </a:ext>
+              <a:ext uri="{96DAC541-7B7A-43D3-8B79-37D633B846F1}">
+                <asvg:svgBlip xmlns:asvg="http://schemas.microsoft.com/office/drawing/2016/SVG/main" r:embed="rId10"/>
+              </a:ext>
+            </a:extLst>
+          </a:blip>
+          <a:stretch>
+            <a:fillRect/>
+          </a:stretch>
+        </p:blipFill>
+        <p:spPr>
+          <a:xfrm>
+            <a:off x="379225" y="4639242"/>
+            <a:ext cx="6344765" cy="2100560"/>
+          </a:xfrm>
+          <a:prstGeom prst="rect">
+            <a:avLst/>
+          </a:prstGeom>
+        </p:spPr>
+      </p:pic>
+      <mc:AlternateContent xmlns:mc="http://schemas.openxmlformats.org/markup-compatibility/2006">
+        <mc:Choice xmlns:a14="http://schemas.microsoft.com/office/drawing/2010/main" Requires="a14">
+          <p:sp>
+            <p:nvSpPr>
+              <p:cNvPr id="15" name="CasellaDiTesto 14">
+                <a:extLst>
+                  <a:ext uri="{FF2B5EF4-FFF2-40B4-BE49-F238E27FC236}">
+                    <a16:creationId xmlns:a16="http://schemas.microsoft.com/office/drawing/2014/main" id="{53B7F50A-1B71-4DDE-90AB-A0E36B53181A}"/>
+                  </a:ext>
+                </a:extLst>
+              </p:cNvPr>
+              <p:cNvSpPr txBox="1"/>
+              <p:nvPr/>
+            </p:nvSpPr>
+            <p:spPr bwMode="auto">
+              <a:xfrm>
+                <a:off x="7081234" y="5176784"/>
+                <a:ext cx="1562100" cy="914400"/>
+              </a:xfrm>
+              <a:prstGeom prst="rect">
+                <a:avLst/>
+              </a:prstGeom>
+              <a:noFill/>
+              <a:ln>
+                <a:noFill/>
+              </a:ln>
+              <a:extLst>
+                <a:ext uri="{909E8E84-426E-40DD-AFC4-6F175D3DCCD1}">
+                  <a14:hiddenFill>
+                    <a:solidFill>
+                      <a:srgbClr val="FFFFFF"/>
+                    </a:solidFill>
+                  </a14:hiddenFill>
+                </a:ext>
+                <a:ext uri="{91240B29-F687-4F45-9708-019B960494DF}">
+                  <a14:hiddenLine w="9525">
+                    <a:solidFill>
+                      <a:srgbClr val="000000"/>
+                    </a:solidFill>
+                    <a:miter lim="800000"/>
+                    <a:headEnd/>
+                    <a:tailEnd/>
+                  </a14:hiddenLine>
+                </a:ext>
+              </a:extLst>
+            </p:spPr>
+            <p:txBody>
+              <a:bodyPr wrap="none" lIns="0" tIns="0" rIns="0" bIns="0" rtlCol="0" anchor="ctr" anchorCtr="0">
+                <a:noAutofit/>
+              </a:bodyPr>
+              <a:lstStyle/>
+              <a:p>
+                <a:pPr algn="r" eaLnBrk="1" hangingPunct="1"/>
+                <a14:m>
+                  <m:oMathPara xmlns:m="http://schemas.openxmlformats.org/officeDocument/2006/math">
+                    <m:oMathParaPr>
+                      <m:jc m:val="centerGroup"/>
+                    </m:oMathParaPr>
+                    <m:oMath xmlns:m="http://schemas.openxmlformats.org/officeDocument/2006/math">
+                      <m:r>
+                        <a:rPr lang="en-US" sz="2000" b="0" i="1" smtClean="0">
+                          <a:solidFill>
+                            <a:schemeClr val="tx1"/>
+                          </a:solidFill>
+                          <a:latin typeface="Cambria Math" panose="02040503050406030204" pitchFamily="18" charset="0"/>
+                        </a:rPr>
+                        <m:t>𝐻</m:t>
+                      </m:r>
+                      <m:r>
+                        <a:rPr lang="en-US" sz="2000" b="0" i="1" smtClean="0">
+                          <a:solidFill>
+                            <a:schemeClr val="tx1"/>
+                          </a:solidFill>
+                          <a:latin typeface="Cambria Math" panose="02040503050406030204" pitchFamily="18" charset="0"/>
+                        </a:rPr>
+                        <m:t>𝜓</m:t>
+                      </m:r>
+                      <m:r>
+                        <a:rPr lang="en-US" sz="2000" b="0" i="1" smtClean="0">
+                          <a:solidFill>
+                            <a:schemeClr val="tx1"/>
+                          </a:solidFill>
+                          <a:latin typeface="Cambria Math" panose="02040503050406030204" pitchFamily="18" charset="0"/>
+                        </a:rPr>
+                        <m:t>=</m:t>
+                      </m:r>
+                      <m:r>
+                        <a:rPr lang="en-US" sz="2000" b="0" i="1" smtClean="0">
+                          <a:solidFill>
+                            <a:schemeClr val="tx1"/>
+                          </a:solidFill>
+                          <a:latin typeface="Cambria Math" panose="02040503050406030204" pitchFamily="18" charset="0"/>
+                        </a:rPr>
+                        <m:t>𝐸</m:t>
+                      </m:r>
+                      <m:r>
+                        <a:rPr lang="en-US" sz="2000" b="0" i="1" smtClean="0">
+                          <a:solidFill>
+                            <a:schemeClr val="tx1"/>
+                          </a:solidFill>
+                          <a:latin typeface="Cambria Math" panose="02040503050406030204" pitchFamily="18" charset="0"/>
+                        </a:rPr>
+                        <m:t>𝜓</m:t>
+                      </m:r>
+                    </m:oMath>
+                  </m:oMathPara>
+                </a14:m>
+                <a:endParaRPr lang="en-US" sz="2000" b="0" dirty="0">
+                  <a:solidFill>
+                    <a:schemeClr val="bg1"/>
+                  </a:solidFill>
+                </a:endParaRPr>
+              </a:p>
+            </p:txBody>
+          </p:sp>
+        </mc:Choice>
+        <mc:Fallback>
+          <p:sp>
+            <p:nvSpPr>
+              <p:cNvPr id="15" name="CasellaDiTesto 14">
+                <a:extLst>
+                  <a:ext uri="{FF2B5EF4-FFF2-40B4-BE49-F238E27FC236}">
+                    <a16:creationId xmlns:a16="http://schemas.microsoft.com/office/drawing/2014/main" id="{53B7F50A-1B71-4DDE-90AB-A0E36B53181A}"/>
+                  </a:ext>
+                </a:extLst>
+              </p:cNvPr>
+              <p:cNvSpPr txBox="1">
+                <a:spLocks noRot="1" noChangeAspect="1" noMove="1" noResize="1" noEditPoints="1" noAdjustHandles="1" noChangeArrowheads="1" noChangeShapeType="1" noTextEdit="1"/>
+              </p:cNvSpPr>
+              <p:nvPr/>
+            </p:nvSpPr>
+            <p:spPr bwMode="auto">
+              <a:xfrm>
+                <a:off x="7081234" y="5176784"/>
+                <a:ext cx="1562100" cy="914400"/>
+              </a:xfrm>
+              <a:prstGeom prst="rect">
+                <a:avLst/>
+              </a:prstGeom>
+              <a:blipFill>
+                <a:blip r:embed="rId11"/>
+                <a:stretch>
+                  <a:fillRect/>
+                </a:stretch>
+              </a:blipFill>
+              <a:ln>
+                <a:noFill/>
+              </a:ln>
+              <a:extLst>
+                <a:ext uri="{909E8E84-426E-40DD-AFC4-6F175D3DCCD1}">
+                  <a14:hiddenFill xmlns:a14="http://schemas.microsoft.com/office/drawing/2010/main">
+                    <a:solidFill>
+                      <a:srgbClr val="FFFFFF"/>
+                    </a:solidFill>
+                  </a14:hiddenFill>
+                </a:ext>
+                <a:ext uri="{91240B29-F687-4F45-9708-019B960494DF}">
+                  <a14:hiddenLine xmlns:a14="http://schemas.microsoft.com/office/drawing/2010/main" w="9525">
+                    <a:solidFill>
+                      <a:srgbClr val="000000"/>
+                    </a:solidFill>
+                    <a:miter lim="800000"/>
+                    <a:headEnd/>
+                    <a:tailEnd/>
+                  </a14:hiddenLine>
+                </a:ext>
+              </a:extLst>
+            </p:spPr>
+            <p:txBody>
+              <a:bodyPr/>
+              <a:lstStyle/>
+              <a:p>
+                <a:r>
+                  <a:rPr lang="en-US">
+                    <a:noFill/>
+                  </a:rPr>
+                  <a:t> </a:t>
+                </a:r>
+              </a:p>
+            </p:txBody>
+          </p:sp>
+        </mc:Fallback>
+      </mc:AlternateContent>
+      <p:sp>
+        <p:nvSpPr>
+          <p:cNvPr id="16" name="Freccia a destra 15">
+            <a:extLst>
+              <a:ext uri="{FF2B5EF4-FFF2-40B4-BE49-F238E27FC236}">
+                <a16:creationId xmlns:a16="http://schemas.microsoft.com/office/drawing/2014/main" id="{D29712F5-F824-4A12-B3C4-9EE5376AD7B4}"/>
+              </a:ext>
+            </a:extLst>
+          </p:cNvPr>
+          <p:cNvSpPr/>
+          <p:nvPr/>
+        </p:nvSpPr>
+        <p:spPr bwMode="auto">
+          <a:xfrm>
+            <a:off x="4527818" y="2423269"/>
+            <a:ext cx="265030" cy="173246"/>
+          </a:xfrm>
+          <a:prstGeom prst="rightArrow">
+            <a:avLst/>
+          </a:prstGeom>
+          <a:solidFill>
+            <a:schemeClr val="tx1"/>
+          </a:solidFill>
+          <a:ln w="9525" cap="flat" cmpd="sng" algn="ctr">
+            <a:solidFill>
+              <a:schemeClr val="tx1"/>
+            </a:solidFill>
+            <a:prstDash val="solid"/>
+            <a:round/>
+            <a:headEnd type="none" w="med" len="med"/>
+            <a:tailEnd type="none" w="med" len="med"/>
+          </a:ln>
+          <a:effectLst/>
+        </p:spPr>
+        <p:txBody>
+          <a:bodyPr vert="horz" wrap="square" lIns="91440" tIns="45720" rIns="91440" bIns="45720" numCol="1" rtlCol="0" anchor="t" anchorCtr="0" compatLnSpc="1">
+            <a:prstTxWarp prst="textNoShape">
+              <a:avLst/>
+            </a:prstTxWarp>
+          </a:bodyPr>
+          <a:lstStyle/>
+          <a:p>
+            <a:pPr marL="0" marR="0" indent="0" algn="l" defTabSz="914400" rtl="0" eaLnBrk="1" fontAlgn="base" latinLnBrk="0" hangingPunct="1">
+              <a:lnSpc>
+                <a:spcPct val="100000"/>
+              </a:lnSpc>
+              <a:spcBef>
+                <a:spcPct val="0"/>
+              </a:spcBef>
+              <a:spcAft>
+                <a:spcPct val="0"/>
+              </a:spcAft>
+              <a:buClrTx/>
+              <a:buSzTx/>
+              <a:buFontTx/>
+              <a:buNone/>
+              <a:tabLst/>
+            </a:pPr>
+            <a:endParaRPr kumimoji="0" lang="en-US" sz="1800" b="1" i="0" u="none" strike="noStrike" cap="none" normalizeH="0" baseline="0">
+              <a:ln>
+                <a:noFill/>
+              </a:ln>
+              <a:solidFill>
+                <a:schemeClr val="tx1"/>
+              </a:solidFill>
+              <a:effectLst/>
+              <a:latin typeface="Arial" charset="0"/>
+            </a:endParaRPr>
+          </a:p>
+        </p:txBody>
+      </p:sp>
+      <p:sp>
+        <p:nvSpPr>
+          <p:cNvPr id="20" name="Freccia a destra 19">
+            <a:extLst>
+              <a:ext uri="{FF2B5EF4-FFF2-40B4-BE49-F238E27FC236}">
+                <a16:creationId xmlns:a16="http://schemas.microsoft.com/office/drawing/2014/main" id="{31EB8174-9A48-4A7F-9551-389AD394B098}"/>
+              </a:ext>
+            </a:extLst>
+          </p:cNvPr>
+          <p:cNvSpPr/>
+          <p:nvPr/>
+        </p:nvSpPr>
+        <p:spPr bwMode="auto">
+          <a:xfrm rot="6852022">
+            <a:off x="4659735" y="3269667"/>
+            <a:ext cx="265030" cy="173246"/>
+          </a:xfrm>
+          <a:prstGeom prst="rightArrow">
+            <a:avLst/>
+          </a:prstGeom>
+          <a:solidFill>
+            <a:schemeClr val="tx1"/>
+          </a:solidFill>
+          <a:ln w="9525" cap="flat" cmpd="sng" algn="ctr">
+            <a:solidFill>
+              <a:schemeClr val="tx1"/>
+            </a:solidFill>
+            <a:prstDash val="solid"/>
+            <a:round/>
+            <a:headEnd type="none" w="med" len="med"/>
+            <a:tailEnd type="none" w="med" len="med"/>
+          </a:ln>
+          <a:effectLst/>
+        </p:spPr>
+        <p:txBody>
+          <a:bodyPr vert="horz" wrap="square" lIns="91440" tIns="45720" rIns="91440" bIns="45720" numCol="1" rtlCol="0" anchor="t" anchorCtr="0" compatLnSpc="1">
+            <a:prstTxWarp prst="textNoShape">
+              <a:avLst/>
+            </a:prstTxWarp>
+          </a:bodyPr>
+          <a:lstStyle/>
+          <a:p>
+            <a:pPr marL="0" marR="0" indent="0" algn="l" defTabSz="914400" rtl="0" eaLnBrk="1" fontAlgn="base" latinLnBrk="0" hangingPunct="1">
+              <a:lnSpc>
+                <a:spcPct val="100000"/>
+              </a:lnSpc>
+              <a:spcBef>
+                <a:spcPct val="0"/>
+              </a:spcBef>
+              <a:spcAft>
+                <a:spcPct val="0"/>
+              </a:spcAft>
+              <a:buClrTx/>
+              <a:buSzTx/>
+              <a:buFontTx/>
+              <a:buNone/>
+              <a:tabLst/>
+            </a:pPr>
+            <a:endParaRPr kumimoji="0" lang="en-US" sz="1800" b="1" i="0" u="none" strike="noStrike" cap="none" normalizeH="0" baseline="0">
+              <a:ln>
+                <a:noFill/>
+              </a:ln>
+              <a:solidFill>
+                <a:schemeClr val="tx1"/>
+              </a:solidFill>
+              <a:effectLst/>
+              <a:latin typeface="Arial" charset="0"/>
+            </a:endParaRPr>
+          </a:p>
+        </p:txBody>
+      </p:sp>
+      <p:sp>
+        <p:nvSpPr>
+          <p:cNvPr id="27" name="Triangolo isoscele 26">
+            <a:extLst>
+              <a:ext uri="{FF2B5EF4-FFF2-40B4-BE49-F238E27FC236}">
+                <a16:creationId xmlns:a16="http://schemas.microsoft.com/office/drawing/2014/main" id="{A78F68F2-BA4B-4ED0-BEE2-4459E47362DB}"/>
+              </a:ext>
+            </a:extLst>
+          </p:cNvPr>
+          <p:cNvSpPr/>
+          <p:nvPr/>
+        </p:nvSpPr>
+        <p:spPr bwMode="auto">
+          <a:xfrm rot="5400000">
+            <a:off x="1441674" y="3675722"/>
+            <a:ext cx="196850" cy="146682"/>
+          </a:xfrm>
+          <a:prstGeom prst="triangle">
+            <a:avLst/>
+          </a:prstGeom>
+          <a:solidFill>
+            <a:schemeClr val="tx1"/>
+          </a:solidFill>
+          <a:ln w="9525" cap="flat" cmpd="sng" algn="ctr">
+            <a:solidFill>
+              <a:schemeClr val="tx1"/>
+            </a:solidFill>
+            <a:prstDash val="solid"/>
+            <a:round/>
+            <a:headEnd type="none" w="med" len="med"/>
+            <a:tailEnd type="none" w="med" len="med"/>
+          </a:ln>
+          <a:effectLst/>
+        </p:spPr>
+        <p:txBody>
+          <a:bodyPr vert="horz" wrap="square" lIns="91440" tIns="45720" rIns="91440" bIns="45720" numCol="1" rtlCol="0" anchor="t" anchorCtr="0" compatLnSpc="1">
+            <a:prstTxWarp prst="textNoShape">
+              <a:avLst/>
+            </a:prstTxWarp>
+          </a:bodyPr>
+          <a:lstStyle/>
+          <a:p>
+            <a:pPr marL="0" marR="0" indent="0" algn="l" defTabSz="914400" rtl="0" eaLnBrk="1" fontAlgn="base" latinLnBrk="0" hangingPunct="1">
+              <a:lnSpc>
+                <a:spcPct val="100000"/>
+              </a:lnSpc>
+              <a:spcBef>
+                <a:spcPct val="0"/>
+              </a:spcBef>
+              <a:spcAft>
+                <a:spcPct val="0"/>
+              </a:spcAft>
+              <a:buClrTx/>
+              <a:buSzTx/>
+              <a:buFontTx/>
+              <a:buNone/>
+              <a:tabLst/>
+            </a:pPr>
+            <a:endParaRPr kumimoji="0" lang="en-US" sz="1800" b="1" i="0" u="none" strike="noStrike" cap="none" normalizeH="0" baseline="0">
+              <a:ln>
+                <a:noFill/>
+              </a:ln>
+              <a:solidFill>
+                <a:schemeClr val="tx1"/>
+              </a:solidFill>
+              <a:effectLst/>
+              <a:latin typeface="Arial" charset="0"/>
+            </a:endParaRPr>
+          </a:p>
+        </p:txBody>
+      </p:sp>
+      <p:sp>
+        <p:nvSpPr>
+          <p:cNvPr id="33" name="Triangolo isoscele 32">
+            <a:extLst>
+              <a:ext uri="{FF2B5EF4-FFF2-40B4-BE49-F238E27FC236}">
+                <a16:creationId xmlns:a16="http://schemas.microsoft.com/office/drawing/2014/main" id="{9454E8D0-FD36-4351-AB2A-E28E06DD6C02}"/>
+              </a:ext>
+            </a:extLst>
+          </p:cNvPr>
+          <p:cNvSpPr/>
+          <p:nvPr/>
+        </p:nvSpPr>
+        <p:spPr bwMode="auto">
+          <a:xfrm rot="10800000">
+            <a:off x="704375" y="4478067"/>
+            <a:ext cx="196850" cy="146682"/>
+          </a:xfrm>
+          <a:prstGeom prst="triangle">
+            <a:avLst/>
+          </a:prstGeom>
+          <a:solidFill>
+            <a:schemeClr val="tx1"/>
+          </a:solidFill>
+          <a:ln w="9525" cap="flat" cmpd="sng" algn="ctr">
+            <a:solidFill>
+              <a:schemeClr val="tx1"/>
+            </a:solidFill>
+            <a:prstDash val="solid"/>
+            <a:round/>
+            <a:headEnd type="none" w="med" len="med"/>
+            <a:tailEnd type="none" w="med" len="med"/>
+          </a:ln>
+          <a:effectLst/>
+        </p:spPr>
+        <p:txBody>
+          <a:bodyPr vert="horz" wrap="square" lIns="91440" tIns="45720" rIns="91440" bIns="45720" numCol="1" rtlCol="0" anchor="t" anchorCtr="0" compatLnSpc="1">
+            <a:prstTxWarp prst="textNoShape">
+              <a:avLst/>
+            </a:prstTxWarp>
+          </a:bodyPr>
+          <a:lstStyle/>
+          <a:p>
+            <a:pPr marL="0" marR="0" indent="0" algn="l" defTabSz="914400" rtl="0" eaLnBrk="1" fontAlgn="base" latinLnBrk="0" hangingPunct="1">
+              <a:lnSpc>
+                <a:spcPct val="100000"/>
+              </a:lnSpc>
+              <a:spcBef>
+                <a:spcPct val="0"/>
+              </a:spcBef>
+              <a:spcAft>
+                <a:spcPct val="0"/>
+              </a:spcAft>
+              <a:buClrTx/>
+              <a:buSzTx/>
+              <a:buFontTx/>
+              <a:buNone/>
+              <a:tabLst/>
+            </a:pPr>
+            <a:endParaRPr kumimoji="0" lang="en-US" sz="1800" b="1" i="0" u="none" strike="noStrike" cap="none" normalizeH="0" baseline="0">
+              <a:ln>
+                <a:noFill/>
+              </a:ln>
+              <a:solidFill>
+                <a:schemeClr val="tx1"/>
+              </a:solidFill>
+              <a:effectLst/>
+              <a:latin typeface="Arial" charset="0"/>
+            </a:endParaRPr>
+          </a:p>
+        </p:txBody>
+      </p:sp>
+      <mc:AlternateContent xmlns:mc="http://schemas.openxmlformats.org/markup-compatibility/2006">
+        <mc:Choice xmlns:a14="http://schemas.microsoft.com/office/drawing/2010/main" Requires="a14">
+          <p:sp>
+            <p:nvSpPr>
+              <p:cNvPr id="28" name="CasellaDiTesto 27">
+                <a:extLst>
+                  <a:ext uri="{FF2B5EF4-FFF2-40B4-BE49-F238E27FC236}">
+                    <a16:creationId xmlns:a16="http://schemas.microsoft.com/office/drawing/2014/main" id="{DD6FCA9B-6A47-4910-B9D5-9402F16E2973}"/>
+                  </a:ext>
+                </a:extLst>
+              </p:cNvPr>
+              <p:cNvSpPr txBox="1"/>
+              <p:nvPr/>
+            </p:nvSpPr>
+            <p:spPr bwMode="auto">
+              <a:xfrm>
+                <a:off x="867932" y="3690157"/>
+                <a:ext cx="914400" cy="914400"/>
+              </a:xfrm>
+              <a:prstGeom prst="rect">
+                <a:avLst/>
+              </a:prstGeom>
+              <a:noFill/>
+              <a:ln>
+                <a:noFill/>
+              </a:ln>
+              <a:extLst>
+                <a:ext uri="{909E8E84-426E-40DD-AFC4-6F175D3DCCD1}">
+                  <a14:hiddenFill>
+                    <a:solidFill>
+                      <a:srgbClr val="FFFFFF"/>
+                    </a:solidFill>
+                  </a14:hiddenFill>
+                </a:ext>
+                <a:ext uri="{91240B29-F687-4F45-9708-019B960494DF}">
+                  <a14:hiddenLine w="9525">
+                    <a:solidFill>
+                      <a:srgbClr val="000000"/>
+                    </a:solidFill>
+                    <a:miter lim="800000"/>
+                    <a:headEnd/>
+                    <a:tailEnd/>
+                  </a14:hiddenLine>
+                </a:ext>
+              </a:extLst>
+            </p:spPr>
+            <p:txBody>
+              <a:bodyPr wrap="none" lIns="0" tIns="0" rIns="0" bIns="0" rtlCol="0" anchor="ctr" anchorCtr="0">
+                <a:noAutofit/>
+              </a:bodyPr>
+              <a:lstStyle/>
+              <a:p>
+                <a:pPr algn="r" eaLnBrk="1" hangingPunct="1"/>
+                <a14:m>
+                  <m:oMathPara xmlns:m="http://schemas.openxmlformats.org/officeDocument/2006/math">
+                    <m:oMathParaPr>
+                      <m:jc m:val="centerGroup"/>
+                    </m:oMathParaPr>
+                    <m:oMath xmlns:m="http://schemas.openxmlformats.org/officeDocument/2006/math">
+                      <m:r>
+                        <a:rPr lang="en-US" sz="2800" b="0" i="1" smtClean="0">
+                          <a:solidFill>
+                            <a:schemeClr val="tx1"/>
+                          </a:solidFill>
+                          <a:latin typeface="Cambria Math" panose="02040503050406030204" pitchFamily="18" charset="0"/>
+                        </a:rPr>
+                        <m:t>≡</m:t>
+                      </m:r>
+                    </m:oMath>
+                  </m:oMathPara>
+                </a14:m>
+                <a:endParaRPr lang="en-US" sz="2800" b="0" dirty="0">
+                  <a:solidFill>
+                    <a:schemeClr val="tx1"/>
+                  </a:solidFill>
+                </a:endParaRPr>
+              </a:p>
+            </p:txBody>
+          </p:sp>
+        </mc:Choice>
+        <mc:Fallback>
+          <p:sp>
+            <p:nvSpPr>
+              <p:cNvPr id="28" name="CasellaDiTesto 27">
+                <a:extLst>
+                  <a:ext uri="{FF2B5EF4-FFF2-40B4-BE49-F238E27FC236}">
+                    <a16:creationId xmlns:a16="http://schemas.microsoft.com/office/drawing/2014/main" id="{DD6FCA9B-6A47-4910-B9D5-9402F16E2973}"/>
+                  </a:ext>
+                </a:extLst>
+              </p:cNvPr>
+              <p:cNvSpPr txBox="1">
+                <a:spLocks noRot="1" noChangeAspect="1" noMove="1" noResize="1" noEditPoints="1" noAdjustHandles="1" noChangeArrowheads="1" noChangeShapeType="1" noTextEdit="1"/>
+              </p:cNvSpPr>
+              <p:nvPr/>
+            </p:nvSpPr>
+            <p:spPr bwMode="auto">
+              <a:xfrm>
+                <a:off x="867932" y="3690157"/>
+                <a:ext cx="914400" cy="914400"/>
+              </a:xfrm>
+              <a:prstGeom prst="rect">
+                <a:avLst/>
+              </a:prstGeom>
+              <a:blipFill>
+                <a:blip r:embed="rId12"/>
+                <a:stretch>
+                  <a:fillRect/>
+                </a:stretch>
+              </a:blipFill>
+              <a:ln>
+                <a:noFill/>
+              </a:ln>
+              <a:extLst>
+                <a:ext uri="{909E8E84-426E-40DD-AFC4-6F175D3DCCD1}">
+                  <a14:hiddenFill xmlns:a14="http://schemas.microsoft.com/office/drawing/2010/main">
+                    <a:solidFill>
+                      <a:srgbClr val="FFFFFF"/>
+                    </a:solidFill>
+                  </a14:hiddenFill>
+                </a:ext>
+                <a:ext uri="{91240B29-F687-4F45-9708-019B960494DF}">
+                  <a14:hiddenLine xmlns:a14="http://schemas.microsoft.com/office/drawing/2010/main" w="9525">
+                    <a:solidFill>
+                      <a:srgbClr val="000000"/>
+                    </a:solidFill>
+                    <a:miter lim="800000"/>
+                    <a:headEnd/>
+                    <a:tailEnd/>
+                  </a14:hiddenLine>
+                </a:ext>
+              </a:extLst>
+            </p:spPr>
+            <p:txBody>
+              <a:bodyPr/>
+              <a:lstStyle/>
+              <a:p>
+                <a:r>
+                  <a:rPr lang="en-US">
+                    <a:noFill/>
+                  </a:rPr>
+                  <a:t> </a:t>
+                </a:r>
+              </a:p>
+            </p:txBody>
+          </p:sp>
+        </mc:Fallback>
+      </mc:AlternateContent>
+      <p:sp>
+        <p:nvSpPr>
+          <p:cNvPr id="30" name="Freccia bidirezionale orizzontale 29">
+            <a:extLst>
+              <a:ext uri="{FF2B5EF4-FFF2-40B4-BE49-F238E27FC236}">
+                <a16:creationId xmlns:a16="http://schemas.microsoft.com/office/drawing/2014/main" id="{BC4136B4-6ED3-4A31-9FB1-C9099ADF8B58}"/>
+              </a:ext>
+            </a:extLst>
+          </p:cNvPr>
+          <p:cNvSpPr/>
+          <p:nvPr/>
+        </p:nvSpPr>
+        <p:spPr bwMode="auto">
+          <a:xfrm>
+            <a:off x="6810571" y="5566667"/>
+            <a:ext cx="392095" cy="161033"/>
+          </a:xfrm>
+          <a:prstGeom prst="leftRightArrow">
+            <a:avLst/>
+          </a:prstGeom>
+          <a:solidFill>
+            <a:schemeClr val="tx1"/>
+          </a:solidFill>
+          <a:ln w="9525" cap="flat" cmpd="sng" algn="ctr">
+            <a:solidFill>
+              <a:schemeClr val="tx1"/>
+            </a:solidFill>
+            <a:prstDash val="solid"/>
+            <a:round/>
+            <a:headEnd type="none" w="med" len="med"/>
+            <a:tailEnd type="none" w="med" len="med"/>
+          </a:ln>
+          <a:effectLst/>
+        </p:spPr>
+        <p:txBody>
+          <a:bodyPr vert="horz" wrap="square" lIns="91440" tIns="45720" rIns="91440" bIns="45720" numCol="1" rtlCol="0" anchor="t" anchorCtr="0" compatLnSpc="1">
+            <a:prstTxWarp prst="textNoShape">
+              <a:avLst/>
+            </a:prstTxWarp>
+          </a:bodyPr>
+          <a:lstStyle/>
+          <a:p>
+            <a:pPr marL="0" marR="0" indent="0" algn="l" defTabSz="914400" rtl="0" eaLnBrk="1" fontAlgn="base" latinLnBrk="0" hangingPunct="1">
+              <a:lnSpc>
+                <a:spcPct val="100000"/>
+              </a:lnSpc>
+              <a:spcBef>
+                <a:spcPct val="0"/>
+              </a:spcBef>
+              <a:spcAft>
+                <a:spcPct val="0"/>
+              </a:spcAft>
+              <a:buClrTx/>
+              <a:buSzTx/>
+              <a:buFontTx/>
+              <a:buNone/>
+              <a:tabLst/>
+            </a:pPr>
+            <a:endParaRPr kumimoji="0" lang="en-US" sz="1800" b="1" i="0" u="none" strike="noStrike" cap="none" normalizeH="0" baseline="0">
+              <a:ln>
+                <a:noFill/>
+              </a:ln>
+              <a:solidFill>
+                <a:schemeClr val="tx1"/>
+              </a:solidFill>
+              <a:effectLst/>
+              <a:latin typeface="Arial" charset="0"/>
+            </a:endParaRPr>
+          </a:p>
+        </p:txBody>
+      </p:sp>
     </p:spTree>
     <p:extLst>
       <p:ext uri="{BB962C8B-B14F-4D97-AF65-F5344CB8AC3E}">
@@ -8710,9 +11637,12 @@
 </file>
 
 <file path=customXml/item1.xml><?xml version="1.0" encoding="utf-8"?>
-<p:properties xmlns:p="http://schemas.microsoft.com/office/2006/metadata/properties" xmlns:xsi="http://www.w3.org/2001/XMLSchema-instance" xmlns:pc="http://schemas.microsoft.com/office/infopath/2007/PartnerControls">
-  <documentManagement/>
-</p:properties>
+<?mso-contentType ?>
+<FormTemplates xmlns="http://schemas.microsoft.com/sharepoint/v3/contenttype/forms">
+  <Display>DocumentLibraryForm</Display>
+  <Edit>DocumentLibraryForm</Edit>
+  <New>DocumentLibraryForm</New>
+</FormTemplates>
 </file>
 
 <file path=customXml/item2.xml><?xml version="1.0" encoding="utf-8"?>
@@ -8848,26 +11778,15 @@
 </file>
 
 <file path=customXml/item3.xml><?xml version="1.0" encoding="utf-8"?>
-<?mso-contentType ?>
-<FormTemplates xmlns="http://schemas.microsoft.com/sharepoint/v3/contenttype/forms">
-  <Display>DocumentLibraryForm</Display>
-  <Edit>DocumentLibraryForm</Edit>
-  <New>DocumentLibraryForm</New>
-</FormTemplates>
+<p:properties xmlns:p="http://schemas.microsoft.com/office/2006/metadata/properties" xmlns:xsi="http://www.w3.org/2001/XMLSchema-instance" xmlns:pc="http://schemas.microsoft.com/office/infopath/2007/PartnerControls">
+  <documentManagement/>
+</p:properties>
 </file>
 
 <file path=customXml/itemProps1.xml><?xml version="1.0" encoding="utf-8"?>
-<ds:datastoreItem xmlns:ds="http://schemas.openxmlformats.org/officeDocument/2006/customXml" ds:itemID="{FF5D3D51-03CC-4736-A35A-7D072B275084}">
+<ds:datastoreItem xmlns:ds="http://schemas.openxmlformats.org/officeDocument/2006/customXml" ds:itemID="{855D325D-3B77-47CA-8757-84DD5741DFBA}">
   <ds:schemaRefs>
-    <ds:schemaRef ds:uri="http://schemas.microsoft.com/office/infopath/2007/PartnerControls"/>
-    <ds:schemaRef ds:uri="http://purl.org/dc/terms/"/>
-    <ds:schemaRef ds:uri="http://www.w3.org/XML/1998/namespace"/>
-    <ds:schemaRef ds:uri="http://purl.org/dc/elements/1.1/"/>
-    <ds:schemaRef ds:uri="http://schemas.microsoft.com/office/2006/metadata/properties"/>
-    <ds:schemaRef ds:uri="http://schemas.microsoft.com/office/2006/documentManagement/types"/>
-    <ds:schemaRef ds:uri="http://schemas.openxmlformats.org/package/2006/metadata/core-properties"/>
-    <ds:schemaRef ds:uri="8d210665-cc30-40de-a1c4-5d90bbb582de"/>
-    <ds:schemaRef ds:uri="http://purl.org/dc/dcmitype/"/>
+    <ds:schemaRef ds:uri="http://schemas.microsoft.com/sharepoint/v3/contenttype/forms"/>
   </ds:schemaRefs>
 </ds:datastoreItem>
 </file>
@@ -8891,9 +11810,17 @@
 </file>
 
 <file path=customXml/itemProps3.xml><?xml version="1.0" encoding="utf-8"?>
-<ds:datastoreItem xmlns:ds="http://schemas.openxmlformats.org/officeDocument/2006/customXml" ds:itemID="{855D325D-3B77-47CA-8757-84DD5741DFBA}">
+<ds:datastoreItem xmlns:ds="http://schemas.openxmlformats.org/officeDocument/2006/customXml" ds:itemID="{FF5D3D51-03CC-4736-A35A-7D072B275084}">
   <ds:schemaRefs>
-    <ds:schemaRef ds:uri="http://schemas.microsoft.com/sharepoint/v3/contenttype/forms"/>
+    <ds:schemaRef ds:uri="http://schemas.microsoft.com/office/infopath/2007/PartnerControls"/>
+    <ds:schemaRef ds:uri="http://purl.org/dc/terms/"/>
+    <ds:schemaRef ds:uri="http://www.w3.org/XML/1998/namespace"/>
+    <ds:schemaRef ds:uri="http://purl.org/dc/elements/1.1/"/>
+    <ds:schemaRef ds:uri="http://schemas.microsoft.com/office/2006/metadata/properties"/>
+    <ds:schemaRef ds:uri="http://schemas.microsoft.com/office/2006/documentManagement/types"/>
+    <ds:schemaRef ds:uri="http://schemas.openxmlformats.org/package/2006/metadata/core-properties"/>
+    <ds:schemaRef ds:uri="8d210665-cc30-40de-a1c4-5d90bbb582de"/>
+    <ds:schemaRef ds:uri="http://purl.org/dc/dcmitype/"/>
   </ds:schemaRefs>
 </ds:datastoreItem>
 </file>
--- a/4/Ex4-Monaco-SLIDES.pptx
+++ b/4/Ex4-Monaco-SLIDES.pptx
@@ -282,7 +282,7 @@
               <a:pPr>
                 <a:defRPr/>
               </a:pPr>
-              <a:t>17/11/2021</a:t>
+              <a:t>19/11/2021</a:t>
             </a:fld>
             <a:endParaRPr lang="it-IT"/>
           </a:p>
@@ -4878,8 +4878,8 @@
           </a:p>
         </p:txBody>
       </p:sp>
-      <mc:AlternateContent xmlns:mc="http://schemas.openxmlformats.org/markup-compatibility/2006">
-        <mc:Choice xmlns:a14="http://schemas.microsoft.com/office/drawing/2010/main" Requires="a14">
+      <mc:AlternateContent xmlns:mc="http://schemas.openxmlformats.org/markup-compatibility/2006" xmlns:a14="http://schemas.microsoft.com/office/drawing/2010/main">
+        <mc:Choice Requires="a14">
           <p:sp>
             <p:nvSpPr>
               <p:cNvPr id="3" name="CasellaDiTesto 2">
@@ -5171,7 +5171,7 @@
             </p:txBody>
           </p:sp>
         </mc:Choice>
-        <mc:Fallback>
+        <mc:Fallback xmlns="">
           <p:sp>
             <p:nvSpPr>
               <p:cNvPr id="3" name="CasellaDiTesto 2">
@@ -5238,8 +5238,8 @@
           </p:sp>
         </mc:Fallback>
       </mc:AlternateContent>
-      <mc:AlternateContent xmlns:mc="http://schemas.openxmlformats.org/markup-compatibility/2006">
-        <mc:Choice xmlns:a14="http://schemas.microsoft.com/office/drawing/2010/main" Requires="a14">
+      <mc:AlternateContent xmlns:mc="http://schemas.openxmlformats.org/markup-compatibility/2006" xmlns:a14="http://schemas.microsoft.com/office/drawing/2010/main">
+        <mc:Choice Requires="a14">
           <p:sp>
             <p:nvSpPr>
               <p:cNvPr id="6" name="CasellaDiTesto 5">
@@ -5369,7 +5369,7 @@
             </p:txBody>
           </p:sp>
         </mc:Choice>
-        <mc:Fallback>
+        <mc:Fallback xmlns="">
           <p:sp>
             <p:nvSpPr>
               <p:cNvPr id="6" name="CasellaDiTesto 5">
@@ -5436,8 +5436,8 @@
           </p:sp>
         </mc:Fallback>
       </mc:AlternateContent>
-      <mc:AlternateContent xmlns:mc="http://schemas.openxmlformats.org/markup-compatibility/2006">
-        <mc:Choice xmlns:a14="http://schemas.microsoft.com/office/drawing/2010/main" Requires="a14">
+      <mc:AlternateContent xmlns:mc="http://schemas.openxmlformats.org/markup-compatibility/2006" xmlns:a14="http://schemas.microsoft.com/office/drawing/2010/main">
+        <mc:Choice Requires="a14">
           <p:sp>
             <p:nvSpPr>
               <p:cNvPr id="7" name="CasellaDiTesto 6">
@@ -5646,7 +5646,7 @@
             </p:txBody>
           </p:sp>
         </mc:Choice>
-        <mc:Fallback>
+        <mc:Fallback xmlns="">
           <p:sp>
             <p:nvSpPr>
               <p:cNvPr id="7" name="CasellaDiTesto 6">
@@ -5782,8 +5782,8 @@
           </a:p>
         </p:txBody>
       </p:sp>
-      <mc:AlternateContent xmlns:mc="http://schemas.openxmlformats.org/markup-compatibility/2006">
-        <mc:Choice xmlns:a14="http://schemas.microsoft.com/office/drawing/2010/main" Requires="a14">
+      <mc:AlternateContent xmlns:mc="http://schemas.openxmlformats.org/markup-compatibility/2006" xmlns:a14="http://schemas.microsoft.com/office/drawing/2010/main">
+        <mc:Choice Requires="a14">
           <p:sp>
             <p:nvSpPr>
               <p:cNvPr id="9" name="CasellaDiTesto 8">
@@ -6221,7 +6221,7 @@
             </p:txBody>
           </p:sp>
         </mc:Choice>
-        <mc:Fallback>
+        <mc:Fallback xmlns="">
           <p:sp>
             <p:nvSpPr>
               <p:cNvPr id="9" name="CasellaDiTesto 8">
@@ -6288,8 +6288,8 @@
           </p:sp>
         </mc:Fallback>
       </mc:AlternateContent>
-      <mc:AlternateContent xmlns:mc="http://schemas.openxmlformats.org/markup-compatibility/2006">
-        <mc:Choice xmlns:a14="http://schemas.microsoft.com/office/drawing/2010/main" Requires="a14">
+      <mc:AlternateContent xmlns:mc="http://schemas.openxmlformats.org/markup-compatibility/2006" xmlns:a14="http://schemas.microsoft.com/office/drawing/2010/main">
+        <mc:Choice Requires="a14">
           <p:sp>
             <p:nvSpPr>
               <p:cNvPr id="10" name="CasellaDiTesto 9">
@@ -6571,7 +6571,7 @@
             </p:txBody>
           </p:sp>
         </mc:Choice>
-        <mc:Fallback>
+        <mc:Fallback xmlns="">
           <p:sp>
             <p:nvSpPr>
               <p:cNvPr id="10" name="CasellaDiTesto 9">
@@ -6707,8 +6707,8 @@
           </a:p>
         </p:txBody>
       </p:sp>
-      <mc:AlternateContent xmlns:mc="http://schemas.openxmlformats.org/markup-compatibility/2006">
-        <mc:Choice xmlns:a14="http://schemas.microsoft.com/office/drawing/2010/main" Requires="a14">
+      <mc:AlternateContent xmlns:mc="http://schemas.openxmlformats.org/markup-compatibility/2006" xmlns:a14="http://schemas.microsoft.com/office/drawing/2010/main">
+        <mc:Choice Requires="a14">
           <p:sp>
             <p:nvSpPr>
               <p:cNvPr id="11" name="CasellaDiTesto 10">
@@ -7192,7 +7192,7 @@
             </p:txBody>
           </p:sp>
         </mc:Choice>
-        <mc:Fallback>
+        <mc:Fallback xmlns="">
           <p:sp>
             <p:nvSpPr>
               <p:cNvPr id="11" name="CasellaDiTesto 10">
@@ -7298,8 +7298,8 @@
           </a:prstGeom>
         </p:spPr>
       </p:pic>
-      <mc:AlternateContent xmlns:mc="http://schemas.openxmlformats.org/markup-compatibility/2006">
-        <mc:Choice xmlns:a14="http://schemas.microsoft.com/office/drawing/2010/main" Requires="a14">
+      <mc:AlternateContent xmlns:mc="http://schemas.openxmlformats.org/markup-compatibility/2006" xmlns:a14="http://schemas.microsoft.com/office/drawing/2010/main">
+        <mc:Choice Requires="a14">
           <p:sp>
             <p:nvSpPr>
               <p:cNvPr id="15" name="CasellaDiTesto 14">
@@ -7414,7 +7414,7 @@
             </p:txBody>
           </p:sp>
         </mc:Choice>
-        <mc:Fallback>
+        <mc:Fallback xmlns="">
           <p:sp>
             <p:nvSpPr>
               <p:cNvPr id="15" name="CasellaDiTesto 14">
@@ -7765,8 +7765,8 @@
           </a:p>
         </p:txBody>
       </p:sp>
-      <mc:AlternateContent xmlns:mc="http://schemas.openxmlformats.org/markup-compatibility/2006">
-        <mc:Choice xmlns:a14="http://schemas.microsoft.com/office/drawing/2010/main" Requires="a14">
+      <mc:AlternateContent xmlns:mc="http://schemas.openxmlformats.org/markup-compatibility/2006" xmlns:a14="http://schemas.microsoft.com/office/drawing/2010/main">
+        <mc:Choice Requires="a14">
           <p:sp>
             <p:nvSpPr>
               <p:cNvPr id="28" name="CasellaDiTesto 27">
@@ -7845,7 +7845,7 @@
             </p:txBody>
           </p:sp>
         </mc:Choice>
-        <mc:Fallback>
+        <mc:Fallback xmlns="">
           <p:sp>
             <p:nvSpPr>
               <p:cNvPr id="28" name="CasellaDiTesto 27">
@@ -11637,12 +11637,9 @@
 </file>
 
 <file path=customXml/item1.xml><?xml version="1.0" encoding="utf-8"?>
-<?mso-contentType ?>
-<FormTemplates xmlns="http://schemas.microsoft.com/sharepoint/v3/contenttype/forms">
-  <Display>DocumentLibraryForm</Display>
-  <Edit>DocumentLibraryForm</Edit>
-  <New>DocumentLibraryForm</New>
-</FormTemplates>
+<p:properties xmlns:p="http://schemas.microsoft.com/office/2006/metadata/properties" xmlns:xsi="http://www.w3.org/2001/XMLSchema-instance" xmlns:pc="http://schemas.microsoft.com/office/infopath/2007/PartnerControls">
+  <documentManagement/>
+</p:properties>
 </file>
 
 <file path=customXml/item2.xml><?xml version="1.0" encoding="utf-8"?>
@@ -11778,15 +11775,26 @@
 </file>
 
 <file path=customXml/item3.xml><?xml version="1.0" encoding="utf-8"?>
-<p:properties xmlns:p="http://schemas.microsoft.com/office/2006/metadata/properties" xmlns:xsi="http://www.w3.org/2001/XMLSchema-instance" xmlns:pc="http://schemas.microsoft.com/office/infopath/2007/PartnerControls">
-  <documentManagement/>
-</p:properties>
+<?mso-contentType ?>
+<FormTemplates xmlns="http://schemas.microsoft.com/sharepoint/v3/contenttype/forms">
+  <Display>DocumentLibraryForm</Display>
+  <Edit>DocumentLibraryForm</Edit>
+  <New>DocumentLibraryForm</New>
+</FormTemplates>
 </file>
 
 <file path=customXml/itemProps1.xml><?xml version="1.0" encoding="utf-8"?>
-<ds:datastoreItem xmlns:ds="http://schemas.openxmlformats.org/officeDocument/2006/customXml" ds:itemID="{855D325D-3B77-47CA-8757-84DD5741DFBA}">
+<ds:datastoreItem xmlns:ds="http://schemas.openxmlformats.org/officeDocument/2006/customXml" ds:itemID="{FF5D3D51-03CC-4736-A35A-7D072B275084}">
   <ds:schemaRefs>
-    <ds:schemaRef ds:uri="http://schemas.microsoft.com/sharepoint/v3/contenttype/forms"/>
+    <ds:schemaRef ds:uri="http://schemas.microsoft.com/office/infopath/2007/PartnerControls"/>
+    <ds:schemaRef ds:uri="http://purl.org/dc/terms/"/>
+    <ds:schemaRef ds:uri="http://www.w3.org/XML/1998/namespace"/>
+    <ds:schemaRef ds:uri="http://purl.org/dc/elements/1.1/"/>
+    <ds:schemaRef ds:uri="http://schemas.microsoft.com/office/2006/metadata/properties"/>
+    <ds:schemaRef ds:uri="http://schemas.microsoft.com/office/2006/documentManagement/types"/>
+    <ds:schemaRef ds:uri="http://schemas.openxmlformats.org/package/2006/metadata/core-properties"/>
+    <ds:schemaRef ds:uri="8d210665-cc30-40de-a1c4-5d90bbb582de"/>
+    <ds:schemaRef ds:uri="http://purl.org/dc/dcmitype/"/>
   </ds:schemaRefs>
 </ds:datastoreItem>
 </file>
@@ -11810,17 +11818,9 @@
 </file>
 
 <file path=customXml/itemProps3.xml><?xml version="1.0" encoding="utf-8"?>
-<ds:datastoreItem xmlns:ds="http://schemas.openxmlformats.org/officeDocument/2006/customXml" ds:itemID="{FF5D3D51-03CC-4736-A35A-7D072B275084}">
+<ds:datastoreItem xmlns:ds="http://schemas.openxmlformats.org/officeDocument/2006/customXml" ds:itemID="{855D325D-3B77-47CA-8757-84DD5741DFBA}">
   <ds:schemaRefs>
-    <ds:schemaRef ds:uri="http://schemas.microsoft.com/office/infopath/2007/PartnerControls"/>
-    <ds:schemaRef ds:uri="http://purl.org/dc/terms/"/>
-    <ds:schemaRef ds:uri="http://www.w3.org/XML/1998/namespace"/>
-    <ds:schemaRef ds:uri="http://purl.org/dc/elements/1.1/"/>
-    <ds:schemaRef ds:uri="http://schemas.microsoft.com/office/2006/metadata/properties"/>
-    <ds:schemaRef ds:uri="http://schemas.microsoft.com/office/2006/documentManagement/types"/>
-    <ds:schemaRef ds:uri="http://schemas.openxmlformats.org/package/2006/metadata/core-properties"/>
-    <ds:schemaRef ds:uri="8d210665-cc30-40de-a1c4-5d90bbb582de"/>
-    <ds:schemaRef ds:uri="http://purl.org/dc/dcmitype/"/>
+    <ds:schemaRef ds:uri="http://schemas.microsoft.com/sharepoint/v3/contenttype/forms"/>
   </ds:schemaRefs>
 </ds:datastoreItem>
 </file>